--- a/docs/diagrams/Diagrams.pptx
+++ b/docs/diagrams/Diagrams.pptx
@@ -5,18 +5,19 @@
     <p:sldMasterId id="2147483659" r:id="rId1"/>
   </p:sldMasterIdLst>
   <p:notesMasterIdLst>
-    <p:notesMasterId r:id="rId11"/>
+    <p:notesMasterId r:id="rId12"/>
   </p:notesMasterIdLst>
   <p:sldIdLst>
     <p:sldId id="256" r:id="rId2"/>
     <p:sldId id="257" r:id="rId3"/>
     <p:sldId id="258" r:id="rId4"/>
     <p:sldId id="259" r:id="rId5"/>
-    <p:sldId id="260" r:id="rId6"/>
-    <p:sldId id="261" r:id="rId7"/>
-    <p:sldId id="262" r:id="rId8"/>
-    <p:sldId id="263" r:id="rId9"/>
-    <p:sldId id="264" r:id="rId10"/>
+    <p:sldId id="265" r:id="rId6"/>
+    <p:sldId id="260" r:id="rId7"/>
+    <p:sldId id="261" r:id="rId8"/>
+    <p:sldId id="262" r:id="rId9"/>
+    <p:sldId id="263" r:id="rId10"/>
+    <p:sldId id="264" r:id="rId11"/>
   </p:sldIdLst>
   <p:sldSz cx="9144000" cy="6858000" type="screen4x3"/>
   <p:notesSz cx="6858000" cy="9144000"/>
@@ -1015,6 +1016,13 @@
                 <a:cs typeface="Calibri"/>
                 <a:sym typeface="Calibri"/>
               </a:rPr>
+              <a:pPr marL="0" marR="0" lvl="0" indent="0" algn="r" rtl="0">
+                <a:spcBef>
+                  <a:spcPts val="0"/>
+                </a:spcBef>
+                <a:buSzPct val="25000"/>
+                <a:buNone/>
+              </a:pPr>
               <a:t>‹#›</a:t>
             </a:fld>
             <a:endParaRPr lang="en-US" sz="1200" b="0" i="0" u="none" strike="noStrike" cap="none">
@@ -1228,6 +1236,107 @@
 </p:notes>
 </file>
 
+<file path=ppt/notesSlides/notesSlide10.xml><?xml version="1.0" encoding="utf-8"?>
+<p:notes xmlns:a="http://schemas.openxmlformats.org/drawingml/2006/main" xmlns:r="http://schemas.openxmlformats.org/officeDocument/2006/relationships" xmlns:p="http://schemas.openxmlformats.org/presentationml/2006/main" showMasterSp="0" showMasterPhAnim="0">
+  <p:cSld>
+    <p:spTree>
+      <p:nvGrpSpPr>
+        <p:cNvPr id="1" name="Shape 386"/>
+        <p:cNvGrpSpPr/>
+        <p:nvPr/>
+      </p:nvGrpSpPr>
+      <p:grpSpPr>
+        <a:xfrm>
+          <a:off x="0" y="0"/>
+          <a:ext cx="0" cy="0"/>
+          <a:chOff x="0" y="0"/>
+          <a:chExt cx="0" cy="0"/>
+        </a:xfrm>
+      </p:grpSpPr>
+      <p:sp>
+        <p:nvSpPr>
+          <p:cNvPr id="387" name="Shape 387"/>
+          <p:cNvSpPr txBox="1">
+            <a:spLocks noGrp="1"/>
+          </p:cNvSpPr>
+          <p:nvPr>
+            <p:ph type="body" idx="1"/>
+          </p:nvPr>
+        </p:nvSpPr>
+        <p:spPr>
+          <a:xfrm>
+            <a:off x="685800" y="4343400"/>
+            <a:ext cx="5486399" cy="4114800"/>
+          </a:xfrm>
+          <a:prstGeom prst="rect">
+            <a:avLst/>
+          </a:prstGeom>
+        </p:spPr>
+        <p:txBody>
+          <a:bodyPr lIns="91425" tIns="91425" rIns="91425" bIns="91425" anchor="t" anchorCtr="0">
+            <a:noAutofit/>
+          </a:bodyPr>
+          <a:lstStyle/>
+          <a:p>
+            <a:pPr lvl="0">
+              <a:spcBef>
+                <a:spcPts val="0"/>
+              </a:spcBef>
+              <a:buNone/>
+            </a:pPr>
+            <a:endParaRPr/>
+          </a:p>
+        </p:txBody>
+      </p:sp>
+      <p:sp>
+        <p:nvSpPr>
+          <p:cNvPr id="388" name="Shape 388"/>
+          <p:cNvSpPr>
+            <a:spLocks noGrp="1" noRot="1" noChangeAspect="1"/>
+          </p:cNvSpPr>
+          <p:nvPr>
+            <p:ph type="sldImg" idx="2"/>
+          </p:nvPr>
+        </p:nvSpPr>
+        <p:spPr>
+          <a:xfrm>
+            <a:off x="1143000" y="685800"/>
+            <a:ext cx="4572000" cy="3429000"/>
+          </a:xfrm>
+          <a:custGeom>
+            <a:avLst/>
+            <a:gdLst/>
+            <a:ahLst/>
+            <a:cxnLst/>
+            <a:rect l="0" t="0" r="0" b="0"/>
+            <a:pathLst>
+              <a:path w="120000" h="120000" extrusionOk="0">
+                <a:moveTo>
+                  <a:pt x="0" y="0"/>
+                </a:moveTo>
+                <a:lnTo>
+                  <a:pt x="120000" y="0"/>
+                </a:lnTo>
+                <a:lnTo>
+                  <a:pt x="120000" y="120000"/>
+                </a:lnTo>
+                <a:lnTo>
+                  <a:pt x="0" y="120000"/>
+                </a:lnTo>
+                <a:close/>
+              </a:path>
+            </a:pathLst>
+          </a:custGeom>
+        </p:spPr>
+      </p:sp>
+    </p:spTree>
+  </p:cSld>
+  <p:clrMapOvr>
+    <a:masterClrMapping/>
+  </p:clrMapOvr>
+</p:notes>
+</file>
+
 <file path=ppt/notesSlides/notesSlide2.xml><?xml version="1.0" encoding="utf-8"?>
 <p:notes xmlns:a="http://schemas.openxmlformats.org/drawingml/2006/main" xmlns:r="http://schemas.openxmlformats.org/officeDocument/2006/relationships" xmlns:p="http://schemas.openxmlformats.org/presentationml/2006/main" showMasterSp="0" showMasterPhAnim="0">
   <p:cSld>
@@ -1536,6 +1645,107 @@
   <p:cSld>
     <p:spTree>
       <p:nvGrpSpPr>
+        <p:cNvPr id="1" name="Shape 182"/>
+        <p:cNvGrpSpPr/>
+        <p:nvPr/>
+      </p:nvGrpSpPr>
+      <p:grpSpPr>
+        <a:xfrm>
+          <a:off x="0" y="0"/>
+          <a:ext cx="0" cy="0"/>
+          <a:chOff x="0" y="0"/>
+          <a:chExt cx="0" cy="0"/>
+        </a:xfrm>
+      </p:grpSpPr>
+      <p:sp>
+        <p:nvSpPr>
+          <p:cNvPr id="183" name="Shape 183"/>
+          <p:cNvSpPr txBox="1">
+            <a:spLocks noGrp="1"/>
+          </p:cNvSpPr>
+          <p:nvPr>
+            <p:ph type="body" idx="1"/>
+          </p:nvPr>
+        </p:nvSpPr>
+        <p:spPr>
+          <a:xfrm>
+            <a:off x="685800" y="4343400"/>
+            <a:ext cx="5486399" cy="4114800"/>
+          </a:xfrm>
+          <a:prstGeom prst="rect">
+            <a:avLst/>
+          </a:prstGeom>
+        </p:spPr>
+        <p:txBody>
+          <a:bodyPr lIns="91425" tIns="91425" rIns="91425" bIns="91425" anchor="t" anchorCtr="0">
+            <a:noAutofit/>
+          </a:bodyPr>
+          <a:lstStyle/>
+          <a:p>
+            <a:pPr lvl="0">
+              <a:spcBef>
+                <a:spcPts val="0"/>
+              </a:spcBef>
+              <a:buNone/>
+            </a:pPr>
+            <a:endParaRPr/>
+          </a:p>
+        </p:txBody>
+      </p:sp>
+      <p:sp>
+        <p:nvSpPr>
+          <p:cNvPr id="184" name="Shape 184"/>
+          <p:cNvSpPr>
+            <a:spLocks noGrp="1" noRot="1" noChangeAspect="1"/>
+          </p:cNvSpPr>
+          <p:nvPr>
+            <p:ph type="sldImg" idx="2"/>
+          </p:nvPr>
+        </p:nvSpPr>
+        <p:spPr>
+          <a:xfrm>
+            <a:off x="1143000" y="685800"/>
+            <a:ext cx="4572000" cy="3429000"/>
+          </a:xfrm>
+          <a:custGeom>
+            <a:avLst/>
+            <a:gdLst/>
+            <a:ahLst/>
+            <a:cxnLst/>
+            <a:rect l="0" t="0" r="0" b="0"/>
+            <a:pathLst>
+              <a:path w="120000" h="120000" extrusionOk="0">
+                <a:moveTo>
+                  <a:pt x="0" y="0"/>
+                </a:moveTo>
+                <a:lnTo>
+                  <a:pt x="120000" y="0"/>
+                </a:lnTo>
+                <a:lnTo>
+                  <a:pt x="120000" y="120000"/>
+                </a:lnTo>
+                <a:lnTo>
+                  <a:pt x="0" y="120000"/>
+                </a:lnTo>
+                <a:close/>
+              </a:path>
+            </a:pathLst>
+          </a:custGeom>
+        </p:spPr>
+      </p:sp>
+    </p:spTree>
+  </p:cSld>
+  <p:clrMapOvr>
+    <a:masterClrMapping/>
+  </p:clrMapOvr>
+</p:notes>
+</file>
+
+<file path=ppt/notesSlides/notesSlide6.xml><?xml version="1.0" encoding="utf-8"?>
+<p:notes xmlns:a="http://schemas.openxmlformats.org/drawingml/2006/main" xmlns:r="http://schemas.openxmlformats.org/officeDocument/2006/relationships" xmlns:p="http://schemas.openxmlformats.org/presentationml/2006/main" showMasterSp="0" showMasterPhAnim="0">
+  <p:cSld>
+    <p:spTree>
+      <p:nvGrpSpPr>
         <p:cNvPr id="1" name="Shape 229"/>
         <p:cNvGrpSpPr/>
         <p:nvPr/>
@@ -1632,7 +1842,7 @@
 </p:notes>
 </file>
 
-<file path=ppt/notesSlides/notesSlide6.xml><?xml version="1.0" encoding="utf-8"?>
+<file path=ppt/notesSlides/notesSlide7.xml><?xml version="1.0" encoding="utf-8"?>
 <p:notes xmlns:a="http://schemas.openxmlformats.org/drawingml/2006/main" xmlns:r="http://schemas.openxmlformats.org/officeDocument/2006/relationships" xmlns:p="http://schemas.openxmlformats.org/presentationml/2006/main" showMasterSp="0" showMasterPhAnim="0">
   <p:cSld>
     <p:spTree>
@@ -1733,7 +1943,7 @@
 </p:notes>
 </file>
 
-<file path=ppt/notesSlides/notesSlide7.xml><?xml version="1.0" encoding="utf-8"?>
+<file path=ppt/notesSlides/notesSlide8.xml><?xml version="1.0" encoding="utf-8"?>
 <p:notes xmlns:a="http://schemas.openxmlformats.org/drawingml/2006/main" xmlns:r="http://schemas.openxmlformats.org/officeDocument/2006/relationships" xmlns:p="http://schemas.openxmlformats.org/presentationml/2006/main" showMasterSp="0" showMasterPhAnim="0">
   <p:cSld>
     <p:spTree>
@@ -1834,7 +2044,7 @@
 </p:notes>
 </file>
 
-<file path=ppt/notesSlides/notesSlide8.xml><?xml version="1.0" encoding="utf-8"?>
+<file path=ppt/notesSlides/notesSlide9.xml><?xml version="1.0" encoding="utf-8"?>
 <p:notes xmlns:a="http://schemas.openxmlformats.org/drawingml/2006/main" xmlns:r="http://schemas.openxmlformats.org/officeDocument/2006/relationships" xmlns:p="http://schemas.openxmlformats.org/presentationml/2006/main" showMasterSp="0" showMasterPhAnim="0">
   <p:cSld>
     <p:spTree>
@@ -1889,107 +2099,6 @@
       <p:sp>
         <p:nvSpPr>
           <p:cNvPr id="360" name="Shape 360"/>
-          <p:cNvSpPr>
-            <a:spLocks noGrp="1" noRot="1" noChangeAspect="1"/>
-          </p:cNvSpPr>
-          <p:nvPr>
-            <p:ph type="sldImg" idx="2"/>
-          </p:nvPr>
-        </p:nvSpPr>
-        <p:spPr>
-          <a:xfrm>
-            <a:off x="1143000" y="685800"/>
-            <a:ext cx="4572000" cy="3429000"/>
-          </a:xfrm>
-          <a:custGeom>
-            <a:avLst/>
-            <a:gdLst/>
-            <a:ahLst/>
-            <a:cxnLst/>
-            <a:rect l="0" t="0" r="0" b="0"/>
-            <a:pathLst>
-              <a:path w="120000" h="120000" extrusionOk="0">
-                <a:moveTo>
-                  <a:pt x="0" y="0"/>
-                </a:moveTo>
-                <a:lnTo>
-                  <a:pt x="120000" y="0"/>
-                </a:lnTo>
-                <a:lnTo>
-                  <a:pt x="120000" y="120000"/>
-                </a:lnTo>
-                <a:lnTo>
-                  <a:pt x="0" y="120000"/>
-                </a:lnTo>
-                <a:close/>
-              </a:path>
-            </a:pathLst>
-          </a:custGeom>
-        </p:spPr>
-      </p:sp>
-    </p:spTree>
-  </p:cSld>
-  <p:clrMapOvr>
-    <a:masterClrMapping/>
-  </p:clrMapOvr>
-</p:notes>
-</file>
-
-<file path=ppt/notesSlides/notesSlide9.xml><?xml version="1.0" encoding="utf-8"?>
-<p:notes xmlns:a="http://schemas.openxmlformats.org/drawingml/2006/main" xmlns:r="http://schemas.openxmlformats.org/officeDocument/2006/relationships" xmlns:p="http://schemas.openxmlformats.org/presentationml/2006/main" showMasterSp="0" showMasterPhAnim="0">
-  <p:cSld>
-    <p:spTree>
-      <p:nvGrpSpPr>
-        <p:cNvPr id="1" name="Shape 386"/>
-        <p:cNvGrpSpPr/>
-        <p:nvPr/>
-      </p:nvGrpSpPr>
-      <p:grpSpPr>
-        <a:xfrm>
-          <a:off x="0" y="0"/>
-          <a:ext cx="0" cy="0"/>
-          <a:chOff x="0" y="0"/>
-          <a:chExt cx="0" cy="0"/>
-        </a:xfrm>
-      </p:grpSpPr>
-      <p:sp>
-        <p:nvSpPr>
-          <p:cNvPr id="387" name="Shape 387"/>
-          <p:cNvSpPr txBox="1">
-            <a:spLocks noGrp="1"/>
-          </p:cNvSpPr>
-          <p:nvPr>
-            <p:ph type="body" idx="1"/>
-          </p:nvPr>
-        </p:nvSpPr>
-        <p:spPr>
-          <a:xfrm>
-            <a:off x="685800" y="4343400"/>
-            <a:ext cx="5486399" cy="4114800"/>
-          </a:xfrm>
-          <a:prstGeom prst="rect">
-            <a:avLst/>
-          </a:prstGeom>
-        </p:spPr>
-        <p:txBody>
-          <a:bodyPr lIns="91425" tIns="91425" rIns="91425" bIns="91425" anchor="t" anchorCtr="0">
-            <a:noAutofit/>
-          </a:bodyPr>
-          <a:lstStyle/>
-          <a:p>
-            <a:pPr lvl="0">
-              <a:spcBef>
-                <a:spcPts val="0"/>
-              </a:spcBef>
-              <a:buNone/>
-            </a:pPr>
-            <a:endParaRPr/>
-          </a:p>
-        </p:txBody>
-      </p:sp>
-      <p:sp>
-        <p:nvSpPr>
-          <p:cNvPr id="388" name="Shape 388"/>
           <p:cNvSpPr>
             <a:spLocks noGrp="1" noRot="1" noChangeAspect="1"/>
           </p:cNvSpPr>
@@ -2743,6 +2852,13 @@
                 <a:cs typeface="Calibri"/>
                 <a:sym typeface="Calibri"/>
               </a:rPr>
+              <a:pPr marL="0" marR="0" lvl="0" indent="0" algn="r" rtl="0">
+                <a:spcBef>
+                  <a:spcPts val="0"/>
+                </a:spcBef>
+                <a:buSzPct val="25000"/>
+                <a:buNone/>
+              </a:pPr>
               <a:t>‹#›</a:t>
             </a:fld>
             <a:endParaRPr lang="en-US" sz="1200" b="0" i="0" u="none" strike="noStrike" cap="none">
@@ -3481,6 +3597,13 @@
                 <a:cs typeface="Calibri"/>
                 <a:sym typeface="Calibri"/>
               </a:rPr>
+              <a:pPr marL="0" marR="0" lvl="0" indent="0" algn="r" rtl="0">
+                <a:spcBef>
+                  <a:spcPts val="0"/>
+                </a:spcBef>
+                <a:buSzPct val="25000"/>
+                <a:buNone/>
+              </a:pPr>
               <a:t>‹#›</a:t>
             </a:fld>
             <a:endParaRPr lang="en-US" sz="1200">
@@ -4219,6 +4342,13 @@
                 <a:cs typeface="Calibri"/>
                 <a:sym typeface="Calibri"/>
               </a:rPr>
+              <a:pPr marL="0" marR="0" lvl="0" indent="0" algn="r" rtl="0">
+                <a:spcBef>
+                  <a:spcPts val="0"/>
+                </a:spcBef>
+                <a:buSzPct val="25000"/>
+                <a:buNone/>
+              </a:pPr>
               <a:t>‹#›</a:t>
             </a:fld>
             <a:endParaRPr lang="en-US" sz="1200">
@@ -4638,6 +4768,13 @@
                 <a:cs typeface="Calibri"/>
                 <a:sym typeface="Calibri"/>
               </a:rPr>
+              <a:pPr marL="0" marR="0" lvl="0" indent="0" algn="r" rtl="0">
+                <a:spcBef>
+                  <a:spcPts val="0"/>
+                </a:spcBef>
+                <a:buSzPct val="25000"/>
+                <a:buNone/>
+              </a:pPr>
               <a:t>‹#›</a:t>
             </a:fld>
             <a:endParaRPr lang="en-US" sz="1200" b="0" i="0" u="none" strike="noStrike" cap="none">
@@ -5376,6 +5513,13 @@
                 <a:cs typeface="Calibri"/>
                 <a:sym typeface="Calibri"/>
               </a:rPr>
+              <a:pPr marL="0" marR="0" lvl="0" indent="0" algn="r" rtl="0">
+                <a:spcBef>
+                  <a:spcPts val="0"/>
+                </a:spcBef>
+                <a:buSzPct val="25000"/>
+                <a:buNone/>
+              </a:pPr>
               <a:t>‹#›</a:t>
             </a:fld>
             <a:endParaRPr lang="en-US" sz="1200">
@@ -6105,6 +6249,13 @@
                 <a:cs typeface="Calibri"/>
                 <a:sym typeface="Calibri"/>
               </a:rPr>
+              <a:pPr marL="0" marR="0" lvl="0" indent="0" algn="r" rtl="0">
+                <a:spcBef>
+                  <a:spcPts val="0"/>
+                </a:spcBef>
+                <a:buSzPct val="25000"/>
+                <a:buNone/>
+              </a:pPr>
               <a:t>‹#›</a:t>
             </a:fld>
             <a:endParaRPr lang="en-US" sz="1200">
@@ -7055,6 +7206,13 @@
                 <a:cs typeface="Calibri"/>
                 <a:sym typeface="Calibri"/>
               </a:rPr>
+              <a:pPr marL="0" marR="0" lvl="0" indent="0" algn="r" rtl="0">
+                <a:spcBef>
+                  <a:spcPts val="0"/>
+                </a:spcBef>
+                <a:buSzPct val="25000"/>
+                <a:buNone/>
+              </a:pPr>
               <a:t>‹#›</a:t>
             </a:fld>
             <a:endParaRPr lang="en-US" sz="1200">
@@ -8411,6 +8569,13 @@
                 <a:cs typeface="Calibri"/>
                 <a:sym typeface="Calibri"/>
               </a:rPr>
+              <a:pPr marL="0" marR="0" lvl="0" indent="0" algn="r" rtl="0">
+                <a:spcBef>
+                  <a:spcPts val="0"/>
+                </a:spcBef>
+                <a:buSzPct val="25000"/>
+                <a:buNone/>
+              </a:pPr>
               <a:t>‹#›</a:t>
             </a:fld>
             <a:endParaRPr lang="en-US" sz="1200">
@@ -8937,6 +9102,13 @@
                 <a:cs typeface="Calibri"/>
                 <a:sym typeface="Calibri"/>
               </a:rPr>
+              <a:pPr marL="0" marR="0" lvl="0" indent="0" algn="r" rtl="0">
+                <a:spcBef>
+                  <a:spcPts val="0"/>
+                </a:spcBef>
+                <a:buSzPct val="25000"/>
+                <a:buNone/>
+              </a:pPr>
               <a:t>‹#›</a:t>
             </a:fld>
             <a:endParaRPr lang="en-US" sz="1200">
@@ -9878,6 +10050,13 @@
                 <a:cs typeface="Calibri"/>
                 <a:sym typeface="Calibri"/>
               </a:rPr>
+              <a:pPr marL="0" marR="0" lvl="0" indent="0" algn="r" rtl="0">
+                <a:spcBef>
+                  <a:spcPts val="0"/>
+                </a:spcBef>
+                <a:buSzPct val="25000"/>
+                <a:buNone/>
+              </a:pPr>
               <a:t>‹#›</a:t>
             </a:fld>
             <a:endParaRPr lang="en-US" sz="1200">
@@ -10810,6 +10989,13 @@
                 <a:cs typeface="Calibri"/>
                 <a:sym typeface="Calibri"/>
               </a:rPr>
+              <a:pPr marL="0" marR="0" lvl="0" indent="0" algn="r" rtl="0">
+                <a:spcBef>
+                  <a:spcPts val="0"/>
+                </a:spcBef>
+                <a:buSzPct val="25000"/>
+                <a:buNone/>
+              </a:pPr>
               <a:t>‹#›</a:t>
             </a:fld>
             <a:endParaRPr lang="en-US" sz="1200">
@@ -11556,6 +11742,13 @@
                 <a:cs typeface="Calibri"/>
                 <a:sym typeface="Calibri"/>
               </a:rPr>
+              <a:pPr marL="0" marR="0" lvl="0" indent="0" algn="r" rtl="0">
+                <a:spcBef>
+                  <a:spcPts val="0"/>
+                </a:spcBef>
+                <a:buSzPct val="25000"/>
+                <a:buNone/>
+              </a:pPr>
               <a:t>‹#›</a:t>
             </a:fld>
             <a:endParaRPr lang="en-US" sz="1200" b="0" i="0" u="none" strike="noStrike" cap="none">
@@ -12186,6 +12379,31 @@
 </p:sld>
 </file>
 
+<file path=ppt/slides/slide10.xml><?xml version="1.0" encoding="utf-8"?>
+<p:sld xmlns:a="http://schemas.openxmlformats.org/drawingml/2006/main" xmlns:r="http://schemas.openxmlformats.org/officeDocument/2006/relationships" xmlns:p="http://schemas.openxmlformats.org/presentationml/2006/main">
+  <p:cSld>
+    <p:spTree>
+      <p:nvGrpSpPr>
+        <p:cNvPr id="1" name="Shape 389"/>
+        <p:cNvGrpSpPr/>
+        <p:nvPr/>
+      </p:nvGrpSpPr>
+      <p:grpSpPr>
+        <a:xfrm>
+          <a:off x="0" y="0"/>
+          <a:ext cx="0" cy="0"/>
+          <a:chOff x="0" y="0"/>
+          <a:chExt cx="0" cy="0"/>
+        </a:xfrm>
+      </p:grpSpPr>
+    </p:spTree>
+  </p:cSld>
+  <p:clrMapOvr>
+    <a:masterClrMapping/>
+  </p:clrMapOvr>
+</p:sld>
+</file>
+
 <file path=ppt/slides/slide2.xml><?xml version="1.0" encoding="utf-8"?>
 <p:sld xmlns:a="http://schemas.openxmlformats.org/drawingml/2006/main" xmlns:r="http://schemas.openxmlformats.org/officeDocument/2006/relationships" xmlns:p="http://schemas.openxmlformats.org/presentationml/2006/main">
   <p:cSld>
@@ -18040,6 +18258,2440 @@
   <p:cSld>
     <p:spTree>
       <p:nvGrpSpPr>
+        <p:cNvPr id="1" name="Shape 185"/>
+        <p:cNvGrpSpPr/>
+        <p:nvPr/>
+      </p:nvGrpSpPr>
+      <p:grpSpPr>
+        <a:xfrm>
+          <a:off x="0" y="0"/>
+          <a:ext cx="0" cy="0"/>
+          <a:chOff x="0" y="0"/>
+          <a:chExt cx="0" cy="0"/>
+        </a:xfrm>
+      </p:grpSpPr>
+      <p:sp>
+        <p:nvSpPr>
+          <p:cNvPr id="186" name="Shape 186"/>
+          <p:cNvSpPr/>
+          <p:nvPr/>
+        </p:nvSpPr>
+        <p:spPr>
+          <a:xfrm>
+            <a:off x="1217465" y="1447800"/>
+            <a:ext cx="4917083" cy="3962399"/>
+          </a:xfrm>
+          <a:prstGeom prst="roundRect">
+            <a:avLst>
+              <a:gd name="adj" fmla="val 3484"/>
+            </a:avLst>
+          </a:prstGeom>
+          <a:solidFill>
+            <a:srgbClr val="F1F5E9"/>
+          </a:solidFill>
+          <a:ln>
+            <a:noFill/>
+          </a:ln>
+        </p:spPr>
+        <p:txBody>
+          <a:bodyPr lIns="91425" tIns="45700" rIns="91425" bIns="45700" anchor="t" anchorCtr="0">
+            <a:noAutofit/>
+          </a:bodyPr>
+          <a:lstStyle/>
+          <a:p>
+            <a:pPr marL="0" marR="0" lvl="0" indent="0" algn="l" rtl="0">
+              <a:spcBef>
+                <a:spcPts val="0"/>
+              </a:spcBef>
+              <a:buSzPct val="25000"/>
+              <a:buNone/>
+            </a:pPr>
+            <a:r>
+              <a:rPr lang="en-US" sz="1200" b="1">
+                <a:solidFill>
+                  <a:srgbClr val="76923C"/>
+                </a:solidFill>
+                <a:latin typeface="Calibri"/>
+                <a:ea typeface="Calibri"/>
+                <a:cs typeface="Calibri"/>
+                <a:sym typeface="Calibri"/>
+              </a:rPr>
+              <a:t>UI</a:t>
+            </a:r>
+          </a:p>
+        </p:txBody>
+      </p:sp>
+      <p:sp>
+        <p:nvSpPr>
+          <p:cNvPr id="187" name="Shape 187"/>
+          <p:cNvSpPr/>
+          <p:nvPr/>
+        </p:nvSpPr>
+        <p:spPr>
+          <a:xfrm>
+            <a:off x="2095948" y="2341219"/>
+            <a:ext cx="1093634" cy="346760"/>
+          </a:xfrm>
+          <a:prstGeom prst="rect">
+            <a:avLst/>
+          </a:prstGeom>
+          <a:gradFill>
+            <a:gsLst>
+              <a:gs pos="0">
+                <a:srgbClr val="DAFEA4"/>
+              </a:gs>
+              <a:gs pos="35000">
+                <a:srgbClr val="E3FEBF"/>
+              </a:gs>
+              <a:gs pos="100000">
+                <a:srgbClr val="F4FEE6"/>
+              </a:gs>
+            </a:gsLst>
+            <a:lin ang="16200000" scaled="0"/>
+          </a:gradFill>
+          <a:ln w="19050" cap="flat" cmpd="sng">
+            <a:solidFill>
+              <a:schemeClr val="accent3"/>
+            </a:solidFill>
+            <a:prstDash val="solid"/>
+            <a:round/>
+            <a:headEnd type="none" w="med" len="med"/>
+            <a:tailEnd type="none" w="med" len="med"/>
+          </a:ln>
+        </p:spPr>
+        <p:txBody>
+          <a:bodyPr lIns="91425" tIns="45700" rIns="91425" bIns="45700" anchor="ctr" anchorCtr="0">
+            <a:noAutofit/>
+          </a:bodyPr>
+          <a:lstStyle/>
+          <a:p>
+            <a:pPr marL="0" marR="0" lvl="0" indent="0" algn="ctr" rtl="0">
+              <a:spcBef>
+                <a:spcPts val="0"/>
+              </a:spcBef>
+              <a:buSzPct val="25000"/>
+              <a:buNone/>
+            </a:pPr>
+            <a:r>
+              <a:rPr lang="en-US" sz="1050" b="1">
+                <a:solidFill>
+                  <a:srgbClr val="76923C"/>
+                </a:solidFill>
+                <a:latin typeface="Calibri"/>
+                <a:ea typeface="Calibri"/>
+                <a:cs typeface="Calibri"/>
+                <a:sym typeface="Calibri"/>
+              </a:rPr>
+              <a:t>MainWindow</a:t>
+            </a:r>
+          </a:p>
+        </p:txBody>
+      </p:sp>
+      <p:sp>
+        <p:nvSpPr>
+          <p:cNvPr id="188" name="Shape 188"/>
+          <p:cNvSpPr/>
+          <p:nvPr/>
+        </p:nvSpPr>
+        <p:spPr>
+          <a:xfrm>
+            <a:off x="2592527" y="3179159"/>
+            <a:ext cx="1093634" cy="236841"/>
+          </a:xfrm>
+          <a:prstGeom prst="rect">
+            <a:avLst/>
+          </a:prstGeom>
+          <a:gradFill>
+            <a:gsLst>
+              <a:gs pos="0">
+                <a:srgbClr val="DAFEA4"/>
+              </a:gs>
+              <a:gs pos="35000">
+                <a:srgbClr val="E3FEBF"/>
+              </a:gs>
+              <a:gs pos="100000">
+                <a:srgbClr val="F4FEE6"/>
+              </a:gs>
+            </a:gsLst>
+            <a:lin ang="16200000" scaled="0"/>
+          </a:gradFill>
+          <a:ln w="19050" cap="flat" cmpd="sng">
+            <a:solidFill>
+              <a:schemeClr val="accent3"/>
+            </a:solidFill>
+            <a:prstDash val="solid"/>
+            <a:round/>
+            <a:headEnd type="none" w="med" len="med"/>
+            <a:tailEnd type="none" w="med" len="med"/>
+          </a:ln>
+        </p:spPr>
+        <p:txBody>
+          <a:bodyPr lIns="91425" tIns="45700" rIns="91425" bIns="45700" anchor="ctr" anchorCtr="0">
+            <a:noAutofit/>
+          </a:bodyPr>
+          <a:lstStyle/>
+          <a:p>
+            <a:pPr marL="0" marR="0" lvl="0" indent="0" algn="ctr" rtl="0">
+              <a:spcBef>
+                <a:spcPts val="0"/>
+              </a:spcBef>
+              <a:buSzPct val="25000"/>
+              <a:buNone/>
+            </a:pPr>
+            <a:r>
+              <a:rPr lang="en-US" sz="1050" b="1">
+                <a:solidFill>
+                  <a:srgbClr val="76923C"/>
+                </a:solidFill>
+                <a:latin typeface="Calibri"/>
+                <a:ea typeface="Calibri"/>
+                <a:cs typeface="Calibri"/>
+                <a:sym typeface="Calibri"/>
+              </a:rPr>
+              <a:t>CommandBox</a:t>
+            </a:r>
+          </a:p>
+        </p:txBody>
+      </p:sp>
+      <p:sp>
+        <p:nvSpPr>
+          <p:cNvPr id="189" name="Shape 189"/>
+          <p:cNvSpPr/>
+          <p:nvPr/>
+        </p:nvSpPr>
+        <p:spPr>
+          <a:xfrm>
+            <a:off x="2092841" y="1770924"/>
+            <a:ext cx="1093634" cy="346760"/>
+          </a:xfrm>
+          <a:prstGeom prst="rect">
+            <a:avLst/>
+          </a:prstGeom>
+          <a:solidFill>
+            <a:srgbClr val="00B050"/>
+          </a:solidFill>
+          <a:ln w="19050" cap="flat" cmpd="sng">
+            <a:solidFill>
+              <a:srgbClr val="00B050"/>
+            </a:solidFill>
+            <a:prstDash val="solid"/>
+            <a:round/>
+            <a:headEnd type="none" w="med" len="med"/>
+            <a:tailEnd type="none" w="med" len="med"/>
+          </a:ln>
+        </p:spPr>
+        <p:txBody>
+          <a:bodyPr lIns="91425" tIns="45700" rIns="91425" bIns="45700" anchor="ctr" anchorCtr="0">
+            <a:noAutofit/>
+          </a:bodyPr>
+          <a:lstStyle/>
+          <a:p>
+            <a:pPr marL="0" marR="0" lvl="0" indent="0" algn="ctr" rtl="0">
+              <a:spcBef>
+                <a:spcPts val="0"/>
+              </a:spcBef>
+              <a:buSzPct val="25000"/>
+              <a:buNone/>
+            </a:pPr>
+            <a:r>
+              <a:rPr lang="en-US" sz="1050">
+                <a:solidFill>
+                  <a:schemeClr val="lt1"/>
+                </a:solidFill>
+                <a:latin typeface="Calibri"/>
+                <a:ea typeface="Calibri"/>
+                <a:cs typeface="Calibri"/>
+                <a:sym typeface="Calibri"/>
+              </a:rPr>
+              <a:t>UiManager</a:t>
+            </a:r>
+          </a:p>
+        </p:txBody>
+      </p:sp>
+      <p:cxnSp>
+        <p:nvCxnSpPr>
+          <p:cNvPr id="190" name="Shape 190"/>
+          <p:cNvCxnSpPr>
+            <a:stCxn id="189" idx="2"/>
+            <a:endCxn id="187" idx="0"/>
+          </p:cNvCxnSpPr>
+          <p:nvPr/>
+        </p:nvCxnSpPr>
+        <p:spPr>
+          <a:xfrm rot="-5400000" flipH="1">
+            <a:off x="2529409" y="2227934"/>
+            <a:ext cx="223500" cy="3000"/>
+          </a:xfrm>
+          <a:prstGeom prst="bentConnector3">
+            <a:avLst>
+              <a:gd name="adj1" fmla="val 50008"/>
+            </a:avLst>
+          </a:prstGeom>
+          <a:gradFill>
+            <a:gsLst>
+              <a:gs pos="0">
+                <a:srgbClr val="FFA09D"/>
+              </a:gs>
+              <a:gs pos="35000">
+                <a:srgbClr val="FFBCBC"/>
+              </a:gs>
+              <a:gs pos="100000">
+                <a:srgbClr val="FFE2E2"/>
+              </a:gs>
+            </a:gsLst>
+            <a:lin ang="16200000" scaled="0"/>
+          </a:gradFill>
+          <a:ln w="19050" cap="flat" cmpd="sng">
+            <a:solidFill>
+              <a:srgbClr val="00B050"/>
+            </a:solidFill>
+            <a:prstDash val="solid"/>
+            <a:round/>
+            <a:headEnd type="none" w="med" len="med"/>
+            <a:tailEnd type="stealth" w="lg" len="lg"/>
+          </a:ln>
+        </p:spPr>
+      </p:cxnSp>
+      <p:sp>
+        <p:nvSpPr>
+          <p:cNvPr id="191" name="Shape 191"/>
+          <p:cNvSpPr/>
+          <p:nvPr/>
+        </p:nvSpPr>
+        <p:spPr>
+          <a:xfrm flipH="1">
+            <a:off x="5394717" y="2110476"/>
+            <a:ext cx="270503" cy="175522"/>
+          </a:xfrm>
+          <a:prstGeom prst="triangle">
+            <a:avLst>
+              <a:gd name="adj" fmla="val 50000"/>
+            </a:avLst>
+          </a:prstGeom>
+          <a:gradFill>
+            <a:gsLst>
+              <a:gs pos="0">
+                <a:srgbClr val="DAFEA4"/>
+              </a:gs>
+              <a:gs pos="35000">
+                <a:srgbClr val="E3FEBF"/>
+              </a:gs>
+              <a:gs pos="100000">
+                <a:srgbClr val="F4FEE6"/>
+              </a:gs>
+            </a:gsLst>
+            <a:lin ang="16200000" scaled="0"/>
+          </a:gradFill>
+          <a:ln w="9525" cap="flat" cmpd="sng">
+            <a:solidFill>
+              <a:schemeClr val="accent3"/>
+            </a:solidFill>
+            <a:prstDash val="solid"/>
+            <a:round/>
+            <a:headEnd type="none" w="med" len="med"/>
+            <a:tailEnd type="none" w="med" len="med"/>
+          </a:ln>
+        </p:spPr>
+        <p:txBody>
+          <a:bodyPr lIns="91425" tIns="45700" rIns="91425" bIns="45700" anchor="ctr" anchorCtr="0">
+            <a:noAutofit/>
+          </a:bodyPr>
+          <a:lstStyle/>
+          <a:p>
+            <a:pPr marL="0" marR="0" lvl="0" indent="0" algn="ctr" rtl="0">
+              <a:spcBef>
+                <a:spcPts val="0"/>
+              </a:spcBef>
+              <a:buNone/>
+            </a:pPr>
+            <a:endParaRPr sz="1050" b="1">
+              <a:solidFill>
+                <a:srgbClr val="92D050"/>
+              </a:solidFill>
+              <a:latin typeface="Calibri"/>
+              <a:ea typeface="Calibri"/>
+              <a:cs typeface="Calibri"/>
+              <a:sym typeface="Calibri"/>
+            </a:endParaRPr>
+          </a:p>
+        </p:txBody>
+      </p:sp>
+      <p:cxnSp>
+        <p:nvCxnSpPr>
+          <p:cNvPr id="192" name="Shape 192"/>
+          <p:cNvCxnSpPr/>
+          <p:nvPr/>
+        </p:nvCxnSpPr>
+        <p:spPr>
+          <a:xfrm>
+            <a:off x="644735" y="2991938"/>
+            <a:ext cx="684900" cy="599"/>
+          </a:xfrm>
+          <a:prstGeom prst="bentConnector3">
+            <a:avLst>
+              <a:gd name="adj1" fmla="val 50000"/>
+            </a:avLst>
+          </a:prstGeom>
+          <a:gradFill>
+            <a:gsLst>
+              <a:gs pos="0">
+                <a:srgbClr val="FFA09D"/>
+              </a:gs>
+              <a:gs pos="35000">
+                <a:srgbClr val="FFBCBC"/>
+              </a:gs>
+              <a:gs pos="100000">
+                <a:srgbClr val="FFE2E2"/>
+              </a:gs>
+            </a:gsLst>
+            <a:lin ang="16200000" scaled="0"/>
+          </a:gradFill>
+          <a:ln w="19050" cap="flat" cmpd="sng">
+            <a:solidFill>
+              <a:srgbClr val="BFBFBF"/>
+            </a:solidFill>
+            <a:prstDash val="dot"/>
+            <a:round/>
+            <a:headEnd type="none" w="med" len="med"/>
+            <a:tailEnd type="stealth" w="lg" len="lg"/>
+          </a:ln>
+        </p:spPr>
+      </p:cxnSp>
+      <p:sp>
+        <p:nvSpPr>
+          <p:cNvPr id="193" name="Shape 193"/>
+          <p:cNvSpPr/>
+          <p:nvPr/>
+        </p:nvSpPr>
+        <p:spPr>
+          <a:xfrm rot="-5400000">
+            <a:off x="5703829" y="2464877"/>
+            <a:ext cx="2362200" cy="328045"/>
+          </a:xfrm>
+          <a:prstGeom prst="roundRect">
+            <a:avLst>
+              <a:gd name="adj" fmla="val 16667"/>
+            </a:avLst>
+          </a:prstGeom>
+          <a:solidFill>
+            <a:srgbClr val="DAE5F1"/>
+          </a:solidFill>
+          <a:ln>
+            <a:noFill/>
+          </a:ln>
+        </p:spPr>
+        <p:txBody>
+          <a:bodyPr lIns="91425" tIns="45700" rIns="91425" bIns="45700" anchor="ctr" anchorCtr="0">
+            <a:noAutofit/>
+          </a:bodyPr>
+          <a:lstStyle/>
+          <a:p>
+            <a:pPr marL="0" marR="0" lvl="0" indent="0" algn="ctr" rtl="0">
+              <a:spcBef>
+                <a:spcPts val="0"/>
+              </a:spcBef>
+              <a:buSzPct val="25000"/>
+              <a:buNone/>
+            </a:pPr>
+            <a:r>
+              <a:rPr lang="en-US" sz="1100" b="1">
+                <a:solidFill>
+                  <a:schemeClr val="lt1"/>
+                </a:solidFill>
+                <a:latin typeface="Calibri"/>
+                <a:ea typeface="Calibri"/>
+                <a:cs typeface="Calibri"/>
+                <a:sym typeface="Calibri"/>
+              </a:rPr>
+              <a:t>Logic</a:t>
+            </a:r>
+          </a:p>
+        </p:txBody>
+      </p:sp>
+      <p:sp>
+        <p:nvSpPr>
+          <p:cNvPr id="194" name="Shape 194"/>
+          <p:cNvSpPr/>
+          <p:nvPr/>
+        </p:nvSpPr>
+        <p:spPr>
+          <a:xfrm>
+            <a:off x="2592527" y="3649358"/>
+            <a:ext cx="1093634" cy="236841"/>
+          </a:xfrm>
+          <a:prstGeom prst="rect">
+            <a:avLst/>
+          </a:prstGeom>
+          <a:gradFill>
+            <a:gsLst>
+              <a:gs pos="0">
+                <a:srgbClr val="DAFEA4"/>
+              </a:gs>
+              <a:gs pos="35000">
+                <a:srgbClr val="E3FEBF"/>
+              </a:gs>
+              <a:gs pos="100000">
+                <a:srgbClr val="F4FEE6"/>
+              </a:gs>
+            </a:gsLst>
+            <a:lin ang="16200000" scaled="0"/>
+          </a:gradFill>
+          <a:ln w="19050" cap="flat" cmpd="sng">
+            <a:solidFill>
+              <a:schemeClr val="accent3"/>
+            </a:solidFill>
+            <a:prstDash val="solid"/>
+            <a:round/>
+            <a:headEnd type="none" w="med" len="med"/>
+            <a:tailEnd type="none" w="med" len="med"/>
+          </a:ln>
+        </p:spPr>
+        <p:txBody>
+          <a:bodyPr lIns="91425" tIns="45700" rIns="91425" bIns="45700" anchor="ctr" anchorCtr="0">
+            <a:noAutofit/>
+          </a:bodyPr>
+          <a:lstStyle/>
+          <a:p>
+            <a:pPr marL="0" marR="0" lvl="0" indent="0" algn="ctr" rtl="0">
+              <a:spcBef>
+                <a:spcPts val="0"/>
+              </a:spcBef>
+              <a:buSzPct val="25000"/>
+              <a:buNone/>
+            </a:pPr>
+            <a:r>
+              <a:rPr lang="en-US" sz="1050" b="1" dirty="0" err="1" smtClean="0">
+                <a:solidFill>
+                  <a:srgbClr val="76923C"/>
+                </a:solidFill>
+                <a:latin typeface="Calibri"/>
+                <a:ea typeface="Calibri"/>
+                <a:cs typeface="Calibri"/>
+                <a:sym typeface="Calibri"/>
+              </a:rPr>
+              <a:t>Schedule</a:t>
+            </a:r>
+            <a:r>
+              <a:rPr lang="en-US" sz="1050" b="1" dirty="0" err="1" smtClean="0">
+                <a:solidFill>
+                  <a:srgbClr val="76923C"/>
+                </a:solidFill>
+                <a:latin typeface="Calibri"/>
+                <a:ea typeface="Calibri"/>
+                <a:cs typeface="Calibri"/>
+                <a:sym typeface="Calibri"/>
+              </a:rPr>
+              <a:t>Panel</a:t>
+            </a:r>
+            <a:endParaRPr lang="en-US" sz="1050" b="1" dirty="0">
+              <a:solidFill>
+                <a:srgbClr val="76923C"/>
+              </a:solidFill>
+              <a:latin typeface="Calibri"/>
+              <a:ea typeface="Calibri"/>
+              <a:cs typeface="Calibri"/>
+              <a:sym typeface="Calibri"/>
+            </a:endParaRPr>
+          </a:p>
+        </p:txBody>
+      </p:sp>
+      <p:sp>
+        <p:nvSpPr>
+          <p:cNvPr id="195" name="Shape 195"/>
+          <p:cNvSpPr/>
+          <p:nvPr/>
+        </p:nvSpPr>
+        <p:spPr>
+          <a:xfrm>
+            <a:off x="2592526" y="4678058"/>
+            <a:ext cx="1093634" cy="236841"/>
+          </a:xfrm>
+          <a:prstGeom prst="rect">
+            <a:avLst/>
+          </a:prstGeom>
+          <a:gradFill>
+            <a:gsLst>
+              <a:gs pos="0">
+                <a:srgbClr val="DAFEA4"/>
+              </a:gs>
+              <a:gs pos="35000">
+                <a:srgbClr val="E3FEBF"/>
+              </a:gs>
+              <a:gs pos="100000">
+                <a:srgbClr val="F4FEE6"/>
+              </a:gs>
+            </a:gsLst>
+            <a:lin ang="16200000" scaled="0"/>
+          </a:gradFill>
+          <a:ln w="19050" cap="flat" cmpd="sng">
+            <a:solidFill>
+              <a:schemeClr val="accent3"/>
+            </a:solidFill>
+            <a:prstDash val="solid"/>
+            <a:round/>
+            <a:headEnd type="none" w="med" len="med"/>
+            <a:tailEnd type="none" w="med" len="med"/>
+          </a:ln>
+        </p:spPr>
+        <p:txBody>
+          <a:bodyPr lIns="91425" tIns="45700" rIns="91425" bIns="45700" anchor="ctr" anchorCtr="0">
+            <a:noAutofit/>
+          </a:bodyPr>
+          <a:lstStyle/>
+          <a:p>
+            <a:pPr marL="0" marR="0" lvl="0" indent="0" algn="ctr" rtl="0">
+              <a:spcBef>
+                <a:spcPts val="0"/>
+              </a:spcBef>
+              <a:buSzPct val="25000"/>
+              <a:buNone/>
+            </a:pPr>
+            <a:r>
+              <a:rPr lang="en-US" sz="1050" b="1">
+                <a:solidFill>
+                  <a:srgbClr val="76923C"/>
+                </a:solidFill>
+                <a:latin typeface="Calibri"/>
+                <a:ea typeface="Calibri"/>
+                <a:cs typeface="Calibri"/>
+                <a:sym typeface="Calibri"/>
+              </a:rPr>
+              <a:t>StatusBarFooter</a:t>
+            </a:r>
+          </a:p>
+        </p:txBody>
+      </p:sp>
+      <p:sp>
+        <p:nvSpPr>
+          <p:cNvPr id="196" name="Shape 196"/>
+          <p:cNvSpPr/>
+          <p:nvPr/>
+        </p:nvSpPr>
+        <p:spPr>
+          <a:xfrm>
+            <a:off x="2592525" y="3991960"/>
+            <a:ext cx="1093634" cy="236841"/>
+          </a:xfrm>
+          <a:prstGeom prst="rect">
+            <a:avLst/>
+          </a:prstGeom>
+          <a:gradFill>
+            <a:gsLst>
+              <a:gs pos="0">
+                <a:srgbClr val="DAFEA4"/>
+              </a:gs>
+              <a:gs pos="35000">
+                <a:srgbClr val="E3FEBF"/>
+              </a:gs>
+              <a:gs pos="100000">
+                <a:srgbClr val="F4FEE6"/>
+              </a:gs>
+            </a:gsLst>
+            <a:lin ang="16200000" scaled="0"/>
+          </a:gradFill>
+          <a:ln w="19050" cap="flat" cmpd="sng">
+            <a:solidFill>
+              <a:schemeClr val="accent3"/>
+            </a:solidFill>
+            <a:prstDash val="solid"/>
+            <a:round/>
+            <a:headEnd type="none" w="med" len="med"/>
+            <a:tailEnd type="none" w="med" len="med"/>
+          </a:ln>
+        </p:spPr>
+        <p:txBody>
+          <a:bodyPr lIns="91425" tIns="45700" rIns="91425" bIns="45700" anchor="ctr" anchorCtr="0">
+            <a:noAutofit/>
+          </a:bodyPr>
+          <a:lstStyle/>
+          <a:p>
+            <a:pPr marL="0" marR="0" lvl="0" indent="0" algn="ctr" rtl="0">
+              <a:spcBef>
+                <a:spcPts val="0"/>
+              </a:spcBef>
+              <a:buSzPct val="25000"/>
+              <a:buNone/>
+            </a:pPr>
+            <a:r>
+              <a:rPr lang="en-US" sz="1050" b="1" dirty="0" err="1" smtClean="0">
+                <a:solidFill>
+                  <a:srgbClr val="76923C"/>
+                </a:solidFill>
+                <a:latin typeface="Calibri"/>
+                <a:ea typeface="Calibri"/>
+                <a:cs typeface="Calibri"/>
+                <a:sym typeface="Calibri"/>
+              </a:rPr>
+              <a:t>DeadlinePanel</a:t>
+            </a:r>
+            <a:endParaRPr lang="en-US" sz="1050" b="1" dirty="0">
+              <a:solidFill>
+                <a:srgbClr val="76923C"/>
+              </a:solidFill>
+              <a:latin typeface="Calibri"/>
+              <a:ea typeface="Calibri"/>
+              <a:cs typeface="Calibri"/>
+              <a:sym typeface="Calibri"/>
+            </a:endParaRPr>
+          </a:p>
+        </p:txBody>
+      </p:sp>
+      <p:sp>
+        <p:nvSpPr>
+          <p:cNvPr id="198" name="Shape 198"/>
+          <p:cNvSpPr/>
+          <p:nvPr/>
+        </p:nvSpPr>
+        <p:spPr>
+          <a:xfrm>
+            <a:off x="2592527" y="5034580"/>
+            <a:ext cx="1093634" cy="236841"/>
+          </a:xfrm>
+          <a:prstGeom prst="rect">
+            <a:avLst/>
+          </a:prstGeom>
+          <a:gradFill>
+            <a:gsLst>
+              <a:gs pos="0">
+                <a:srgbClr val="DAFEA4"/>
+              </a:gs>
+              <a:gs pos="35000">
+                <a:srgbClr val="E3FEBF"/>
+              </a:gs>
+              <a:gs pos="100000">
+                <a:srgbClr val="F4FEE6"/>
+              </a:gs>
+            </a:gsLst>
+            <a:lin ang="16200000" scaled="0"/>
+          </a:gradFill>
+          <a:ln w="19050" cap="flat" cmpd="sng">
+            <a:solidFill>
+              <a:schemeClr val="accent3"/>
+            </a:solidFill>
+            <a:prstDash val="solid"/>
+            <a:round/>
+            <a:headEnd type="none" w="med" len="med"/>
+            <a:tailEnd type="none" w="med" len="med"/>
+          </a:ln>
+        </p:spPr>
+        <p:txBody>
+          <a:bodyPr lIns="91425" tIns="45700" rIns="91425" bIns="45700" anchor="ctr" anchorCtr="0">
+            <a:noAutofit/>
+          </a:bodyPr>
+          <a:lstStyle/>
+          <a:p>
+            <a:pPr marL="0" marR="0" lvl="0" indent="0" algn="ctr" rtl="0">
+              <a:spcBef>
+                <a:spcPts val="0"/>
+              </a:spcBef>
+              <a:buSzPct val="25000"/>
+              <a:buNone/>
+            </a:pPr>
+            <a:r>
+              <a:rPr lang="en-US" sz="1050" b="1">
+                <a:solidFill>
+                  <a:srgbClr val="76923C"/>
+                </a:solidFill>
+                <a:latin typeface="Calibri"/>
+                <a:ea typeface="Calibri"/>
+                <a:cs typeface="Calibri"/>
+                <a:sym typeface="Calibri"/>
+              </a:rPr>
+              <a:t>HelpWindow</a:t>
+            </a:r>
+          </a:p>
+        </p:txBody>
+      </p:sp>
+      <p:sp>
+        <p:nvSpPr>
+          <p:cNvPr id="199" name="Shape 199"/>
+          <p:cNvSpPr/>
+          <p:nvPr/>
+        </p:nvSpPr>
+        <p:spPr>
+          <a:xfrm>
+            <a:off x="2324548" y="2706451"/>
+            <a:ext cx="183156" cy="161572"/>
+          </a:xfrm>
+          <a:prstGeom prst="flowChartDecision">
+            <a:avLst/>
+          </a:prstGeom>
+          <a:solidFill>
+            <a:schemeClr val="accent3"/>
+          </a:solidFill>
+          <a:ln w="25400" cap="flat" cmpd="sng">
+            <a:solidFill>
+              <a:schemeClr val="accent3"/>
+            </a:solidFill>
+            <a:prstDash val="solid"/>
+            <a:round/>
+            <a:headEnd type="none" w="med" len="med"/>
+            <a:tailEnd type="none" w="med" len="med"/>
+          </a:ln>
+        </p:spPr>
+        <p:txBody>
+          <a:bodyPr lIns="91425" tIns="45700" rIns="91425" bIns="45700" anchor="ctr" anchorCtr="0">
+            <a:noAutofit/>
+          </a:bodyPr>
+          <a:lstStyle/>
+          <a:p>
+            <a:pPr marL="0" marR="0" lvl="0" indent="0" algn="ctr" rtl="0">
+              <a:spcBef>
+                <a:spcPts val="0"/>
+              </a:spcBef>
+              <a:buNone/>
+            </a:pPr>
+            <a:endParaRPr sz="1800">
+              <a:solidFill>
+                <a:schemeClr val="lt1"/>
+              </a:solidFill>
+              <a:latin typeface="Calibri"/>
+              <a:ea typeface="Calibri"/>
+              <a:cs typeface="Calibri"/>
+              <a:sym typeface="Calibri"/>
+            </a:endParaRPr>
+          </a:p>
+        </p:txBody>
+      </p:sp>
+      <p:cxnSp>
+        <p:nvCxnSpPr>
+          <p:cNvPr id="200" name="Shape 200"/>
+          <p:cNvCxnSpPr>
+            <a:stCxn id="199" idx="2"/>
+            <a:endCxn id="188" idx="1"/>
+          </p:cNvCxnSpPr>
+          <p:nvPr/>
+        </p:nvCxnSpPr>
+        <p:spPr>
+          <a:xfrm rot="-5400000" flipH="1">
+            <a:off x="2289526" y="2994624"/>
+            <a:ext cx="429600" cy="176400"/>
+          </a:xfrm>
+          <a:prstGeom prst="bentConnector2">
+            <a:avLst/>
+          </a:prstGeom>
+          <a:gradFill>
+            <a:gsLst>
+              <a:gs pos="0">
+                <a:srgbClr val="FFA09D"/>
+              </a:gs>
+              <a:gs pos="35000">
+                <a:srgbClr val="FFBCBC"/>
+              </a:gs>
+              <a:gs pos="100000">
+                <a:srgbClr val="FFE2E2"/>
+              </a:gs>
+            </a:gsLst>
+            <a:lin ang="16200000" scaled="0"/>
+          </a:gradFill>
+          <a:ln w="19050" cap="flat" cmpd="sng">
+            <a:solidFill>
+              <a:schemeClr val="accent3"/>
+            </a:solidFill>
+            <a:prstDash val="solid"/>
+            <a:round/>
+            <a:headEnd type="none" w="med" len="med"/>
+            <a:tailEnd type="stealth" w="lg" len="lg"/>
+          </a:ln>
+        </p:spPr>
+      </p:cxnSp>
+      <p:sp>
+        <p:nvSpPr>
+          <p:cNvPr id="201" name="Shape 201"/>
+          <p:cNvSpPr/>
+          <p:nvPr/>
+        </p:nvSpPr>
+        <p:spPr>
+          <a:xfrm>
+            <a:off x="3759694" y="3416960"/>
+            <a:ext cx="1040906" cy="236841"/>
+          </a:xfrm>
+          <a:prstGeom prst="rect">
+            <a:avLst/>
+          </a:prstGeom>
+          <a:gradFill>
+            <a:gsLst>
+              <a:gs pos="0">
+                <a:srgbClr val="DAFEA4"/>
+              </a:gs>
+              <a:gs pos="35000">
+                <a:srgbClr val="E3FEBF"/>
+              </a:gs>
+              <a:gs pos="100000">
+                <a:srgbClr val="F4FEE6"/>
+              </a:gs>
+            </a:gsLst>
+            <a:lin ang="16200000" scaled="0"/>
+          </a:gradFill>
+          <a:ln w="19050" cap="flat" cmpd="sng">
+            <a:solidFill>
+              <a:schemeClr val="accent3"/>
+            </a:solidFill>
+            <a:prstDash val="solid"/>
+            <a:round/>
+            <a:headEnd type="none" w="med" len="med"/>
+            <a:tailEnd type="none" w="med" len="med"/>
+          </a:ln>
+        </p:spPr>
+        <p:txBody>
+          <a:bodyPr lIns="91425" tIns="45700" rIns="91425" bIns="45700" anchor="ctr" anchorCtr="0">
+            <a:noAutofit/>
+          </a:bodyPr>
+          <a:lstStyle/>
+          <a:p>
+            <a:pPr marL="0" marR="0" lvl="0" indent="0" algn="ctr" rtl="0">
+              <a:spcBef>
+                <a:spcPts val="0"/>
+              </a:spcBef>
+              <a:buSzPct val="25000"/>
+              <a:buNone/>
+            </a:pPr>
+            <a:r>
+              <a:rPr lang="en-US" sz="1050" b="1">
+                <a:solidFill>
+                  <a:srgbClr val="76923C"/>
+                </a:solidFill>
+                <a:latin typeface="Calibri"/>
+                <a:ea typeface="Calibri"/>
+                <a:cs typeface="Calibri"/>
+                <a:sym typeface="Calibri"/>
+              </a:rPr>
+              <a:t>ResultsDisplay</a:t>
+            </a:r>
+          </a:p>
+        </p:txBody>
+      </p:sp>
+      <p:cxnSp>
+        <p:nvCxnSpPr>
+          <p:cNvPr id="202" name="Shape 202"/>
+          <p:cNvCxnSpPr>
+            <a:stCxn id="199" idx="2"/>
+            <a:endCxn id="194" idx="1"/>
+          </p:cNvCxnSpPr>
+          <p:nvPr/>
+        </p:nvCxnSpPr>
+        <p:spPr>
+          <a:xfrm rot="-5400000" flipH="1">
+            <a:off x="2054476" y="3229674"/>
+            <a:ext cx="899700" cy="176400"/>
+          </a:xfrm>
+          <a:prstGeom prst="bentConnector2">
+            <a:avLst/>
+          </a:prstGeom>
+          <a:gradFill>
+            <a:gsLst>
+              <a:gs pos="0">
+                <a:srgbClr val="FFA09D"/>
+              </a:gs>
+              <a:gs pos="35000">
+                <a:srgbClr val="FFBCBC"/>
+              </a:gs>
+              <a:gs pos="100000">
+                <a:srgbClr val="FFE2E2"/>
+              </a:gs>
+            </a:gsLst>
+            <a:lin ang="16200000" scaled="0"/>
+          </a:gradFill>
+          <a:ln w="19050" cap="flat" cmpd="sng">
+            <a:solidFill>
+              <a:schemeClr val="accent3"/>
+            </a:solidFill>
+            <a:prstDash val="solid"/>
+            <a:round/>
+            <a:headEnd type="none" w="med" len="med"/>
+            <a:tailEnd type="stealth" w="lg" len="lg"/>
+          </a:ln>
+        </p:spPr>
+      </p:cxnSp>
+      <p:cxnSp>
+        <p:nvCxnSpPr>
+          <p:cNvPr id="203" name="Shape 203"/>
+          <p:cNvCxnSpPr>
+            <a:stCxn id="199" idx="2"/>
+            <a:endCxn id="196" idx="1"/>
+          </p:cNvCxnSpPr>
+          <p:nvPr/>
+        </p:nvCxnSpPr>
+        <p:spPr>
+          <a:xfrm rot="-5400000" flipH="1">
+            <a:off x="1883176" y="3400974"/>
+            <a:ext cx="1242300" cy="176400"/>
+          </a:xfrm>
+          <a:prstGeom prst="bentConnector2">
+            <a:avLst/>
+          </a:prstGeom>
+          <a:gradFill>
+            <a:gsLst>
+              <a:gs pos="0">
+                <a:srgbClr val="FFA09D"/>
+              </a:gs>
+              <a:gs pos="35000">
+                <a:srgbClr val="FFBCBC"/>
+              </a:gs>
+              <a:gs pos="100000">
+                <a:srgbClr val="FFE2E2"/>
+              </a:gs>
+            </a:gsLst>
+            <a:lin ang="16200000" scaled="0"/>
+          </a:gradFill>
+          <a:ln w="19050" cap="flat" cmpd="sng">
+            <a:solidFill>
+              <a:schemeClr val="accent3"/>
+            </a:solidFill>
+            <a:prstDash val="solid"/>
+            <a:round/>
+            <a:headEnd type="none" w="med" len="med"/>
+            <a:tailEnd type="stealth" w="lg" len="lg"/>
+          </a:ln>
+        </p:spPr>
+      </p:cxnSp>
+      <p:cxnSp>
+        <p:nvCxnSpPr>
+          <p:cNvPr id="204" name="Shape 204"/>
+          <p:cNvCxnSpPr>
+            <a:stCxn id="199" idx="2"/>
+            <a:endCxn id="195" idx="1"/>
+          </p:cNvCxnSpPr>
+          <p:nvPr/>
+        </p:nvCxnSpPr>
+        <p:spPr>
+          <a:xfrm rot="16200000" flipH="1">
+            <a:off x="1540098" y="3744051"/>
+            <a:ext cx="1928456" cy="176400"/>
+          </a:xfrm>
+          <a:prstGeom prst="bentConnector2">
+            <a:avLst/>
+          </a:prstGeom>
+          <a:gradFill>
+            <a:gsLst>
+              <a:gs pos="0">
+                <a:srgbClr val="FFA09D"/>
+              </a:gs>
+              <a:gs pos="35000">
+                <a:srgbClr val="FFBCBC"/>
+              </a:gs>
+              <a:gs pos="100000">
+                <a:srgbClr val="FFE2E2"/>
+              </a:gs>
+            </a:gsLst>
+            <a:lin ang="16200000" scaled="0"/>
+          </a:gradFill>
+          <a:ln w="19050" cap="flat" cmpd="sng">
+            <a:solidFill>
+              <a:schemeClr val="accent3"/>
+            </a:solidFill>
+            <a:prstDash val="solid"/>
+            <a:round/>
+            <a:headEnd type="none" w="med" len="med"/>
+            <a:tailEnd type="stealth" w="lg" len="lg"/>
+          </a:ln>
+        </p:spPr>
+      </p:cxnSp>
+      <p:cxnSp>
+        <p:nvCxnSpPr>
+          <p:cNvPr id="205" name="Shape 205"/>
+          <p:cNvCxnSpPr>
+            <a:endCxn id="198" idx="1"/>
+          </p:cNvCxnSpPr>
+          <p:nvPr/>
+        </p:nvCxnSpPr>
+        <p:spPr>
+          <a:xfrm rot="-5400000" flipH="1">
+            <a:off x="1184177" y="3744650"/>
+            <a:ext cx="2396400" cy="420300"/>
+          </a:xfrm>
+          <a:prstGeom prst="bentConnector2">
+            <a:avLst/>
+          </a:prstGeom>
+          <a:gradFill>
+            <a:gsLst>
+              <a:gs pos="0">
+                <a:srgbClr val="FFA09D"/>
+              </a:gs>
+              <a:gs pos="35000">
+                <a:srgbClr val="FFBCBC"/>
+              </a:gs>
+              <a:gs pos="100000">
+                <a:srgbClr val="FFE2E2"/>
+              </a:gs>
+            </a:gsLst>
+            <a:lin ang="16200000" scaled="0"/>
+          </a:gradFill>
+          <a:ln w="19050" cap="flat" cmpd="sng">
+            <a:solidFill>
+              <a:schemeClr val="accent3"/>
+            </a:solidFill>
+            <a:prstDash val="solid"/>
+            <a:round/>
+            <a:headEnd type="none" w="med" len="med"/>
+            <a:tailEnd type="stealth" w="lg" len="lg"/>
+          </a:ln>
+        </p:spPr>
+      </p:cxnSp>
+      <p:sp>
+        <p:nvSpPr>
+          <p:cNvPr id="206" name="Shape 206"/>
+          <p:cNvSpPr/>
+          <p:nvPr/>
+        </p:nvSpPr>
+        <p:spPr>
+          <a:xfrm>
+            <a:off x="5143948" y="1770924"/>
+            <a:ext cx="772043" cy="346760"/>
+          </a:xfrm>
+          <a:prstGeom prst="rect">
+            <a:avLst/>
+          </a:prstGeom>
+          <a:gradFill>
+            <a:gsLst>
+              <a:gs pos="0">
+                <a:srgbClr val="DAFEA4"/>
+              </a:gs>
+              <a:gs pos="35000">
+                <a:srgbClr val="E3FEBF"/>
+              </a:gs>
+              <a:gs pos="100000">
+                <a:srgbClr val="F4FEE6"/>
+              </a:gs>
+            </a:gsLst>
+            <a:lin ang="16200000" scaled="0"/>
+          </a:gradFill>
+          <a:ln w="9525" cap="flat" cmpd="sng">
+            <a:solidFill>
+              <a:schemeClr val="accent3"/>
+            </a:solidFill>
+            <a:prstDash val="solid"/>
+            <a:round/>
+            <a:headEnd type="none" w="med" len="med"/>
+            <a:tailEnd type="none" w="med" len="med"/>
+          </a:ln>
+        </p:spPr>
+        <p:txBody>
+          <a:bodyPr lIns="91425" tIns="45700" rIns="91425" bIns="45700" anchor="ctr" anchorCtr="0">
+            <a:noAutofit/>
+          </a:bodyPr>
+          <a:lstStyle/>
+          <a:p>
+            <a:pPr marL="0" marR="0" lvl="0" indent="0" algn="ctr" rtl="0">
+              <a:spcBef>
+                <a:spcPts val="0"/>
+              </a:spcBef>
+              <a:buSzPct val="25000"/>
+              <a:buNone/>
+            </a:pPr>
+            <a:r>
+              <a:rPr lang="en-US" sz="1050" b="1">
+                <a:solidFill>
+                  <a:srgbClr val="76923C"/>
+                </a:solidFill>
+                <a:latin typeface="Calibri"/>
+                <a:ea typeface="Calibri"/>
+                <a:cs typeface="Calibri"/>
+                <a:sym typeface="Calibri"/>
+              </a:rPr>
+              <a:t>{abstract}</a:t>
+            </a:r>
+            <a:br>
+              <a:rPr lang="en-US" sz="1050" b="1">
+                <a:solidFill>
+                  <a:srgbClr val="76923C"/>
+                </a:solidFill>
+                <a:latin typeface="Calibri"/>
+                <a:ea typeface="Calibri"/>
+                <a:cs typeface="Calibri"/>
+                <a:sym typeface="Calibri"/>
+              </a:rPr>
+            </a:br>
+            <a:r>
+              <a:rPr lang="en-US" sz="1050" b="1">
+                <a:solidFill>
+                  <a:srgbClr val="76923C"/>
+                </a:solidFill>
+                <a:latin typeface="Calibri"/>
+                <a:ea typeface="Calibri"/>
+                <a:cs typeface="Calibri"/>
+                <a:sym typeface="Calibri"/>
+              </a:rPr>
+              <a:t>UiPart</a:t>
+            </a:r>
+          </a:p>
+        </p:txBody>
+      </p:sp>
+      <p:cxnSp>
+        <p:nvCxnSpPr>
+          <p:cNvPr id="207" name="Shape 207"/>
+          <p:cNvCxnSpPr>
+            <a:stCxn id="201" idx="3"/>
+            <a:endCxn id="191" idx="3"/>
+          </p:cNvCxnSpPr>
+          <p:nvPr/>
+        </p:nvCxnSpPr>
+        <p:spPr>
+          <a:xfrm rot="10800000" flipH="1">
+            <a:off x="4800600" y="2285881"/>
+            <a:ext cx="729300" cy="1249500"/>
+          </a:xfrm>
+          <a:prstGeom prst="bentConnector2">
+            <a:avLst/>
+          </a:prstGeom>
+          <a:gradFill>
+            <a:gsLst>
+              <a:gs pos="0">
+                <a:srgbClr val="FFA09D"/>
+              </a:gs>
+              <a:gs pos="35000">
+                <a:srgbClr val="FFBCBC"/>
+              </a:gs>
+              <a:gs pos="100000">
+                <a:srgbClr val="FFE2E2"/>
+              </a:gs>
+            </a:gsLst>
+            <a:lin ang="16200000" scaled="0"/>
+          </a:gradFill>
+          <a:ln w="9525" cap="flat" cmpd="sng">
+            <a:solidFill>
+              <a:schemeClr val="accent3"/>
+            </a:solidFill>
+            <a:prstDash val="solid"/>
+            <a:round/>
+            <a:headEnd type="none" w="med" len="med"/>
+            <a:tailEnd type="none" w="med" len="med"/>
+          </a:ln>
+        </p:spPr>
+      </p:cxnSp>
+      <p:cxnSp>
+        <p:nvCxnSpPr>
+          <p:cNvPr id="208" name="Shape 208"/>
+          <p:cNvCxnSpPr>
+            <a:stCxn id="191" idx="3"/>
+            <a:endCxn id="45" idx="3"/>
+          </p:cNvCxnSpPr>
+          <p:nvPr/>
+        </p:nvCxnSpPr>
+        <p:spPr>
+          <a:xfrm rot="5400000">
+            <a:off x="3524423" y="2455355"/>
+            <a:ext cx="2174903" cy="1836189"/>
+          </a:xfrm>
+          <a:prstGeom prst="bentConnector2">
+            <a:avLst/>
+          </a:prstGeom>
+          <a:gradFill>
+            <a:gsLst>
+              <a:gs pos="0">
+                <a:srgbClr val="FFA09D"/>
+              </a:gs>
+              <a:gs pos="35000">
+                <a:srgbClr val="FFBCBC"/>
+              </a:gs>
+              <a:gs pos="100000">
+                <a:srgbClr val="FFE2E2"/>
+              </a:gs>
+            </a:gsLst>
+            <a:lin ang="16200000" scaled="0"/>
+          </a:gradFill>
+          <a:ln w="9525" cap="flat" cmpd="sng">
+            <a:solidFill>
+              <a:schemeClr val="accent3"/>
+            </a:solidFill>
+            <a:prstDash val="solid"/>
+            <a:round/>
+            <a:headEnd type="none" w="med" len="med"/>
+            <a:tailEnd type="none" w="med" len="med"/>
+          </a:ln>
+        </p:spPr>
+      </p:cxnSp>
+      <p:cxnSp>
+        <p:nvCxnSpPr>
+          <p:cNvPr id="209" name="Shape 209"/>
+          <p:cNvCxnSpPr>
+            <a:stCxn id="191" idx="3"/>
+            <a:endCxn id="194" idx="3"/>
+          </p:cNvCxnSpPr>
+          <p:nvPr/>
+        </p:nvCxnSpPr>
+        <p:spPr>
+          <a:xfrm rot="5400000">
+            <a:off x="3867219" y="2104949"/>
+            <a:ext cx="1481700" cy="1843800"/>
+          </a:xfrm>
+          <a:prstGeom prst="bentConnector2">
+            <a:avLst/>
+          </a:prstGeom>
+          <a:gradFill>
+            <a:gsLst>
+              <a:gs pos="0">
+                <a:srgbClr val="FFA09D"/>
+              </a:gs>
+              <a:gs pos="35000">
+                <a:srgbClr val="FFBCBC"/>
+              </a:gs>
+              <a:gs pos="100000">
+                <a:srgbClr val="FFE2E2"/>
+              </a:gs>
+            </a:gsLst>
+            <a:lin ang="16200000" scaled="0"/>
+          </a:gradFill>
+          <a:ln w="9525" cap="flat" cmpd="sng">
+            <a:solidFill>
+              <a:schemeClr val="accent3"/>
+            </a:solidFill>
+            <a:prstDash val="solid"/>
+            <a:round/>
+            <a:headEnd type="none" w="med" len="med"/>
+            <a:tailEnd type="none" w="med" len="med"/>
+          </a:ln>
+        </p:spPr>
+      </p:cxnSp>
+      <p:cxnSp>
+        <p:nvCxnSpPr>
+          <p:cNvPr id="210" name="Shape 210"/>
+          <p:cNvCxnSpPr>
+            <a:stCxn id="187" idx="3"/>
+            <a:endCxn id="191" idx="3"/>
+          </p:cNvCxnSpPr>
+          <p:nvPr/>
+        </p:nvCxnSpPr>
+        <p:spPr>
+          <a:xfrm rot="10800000" flipH="1">
+            <a:off x="3189583" y="2285999"/>
+            <a:ext cx="2340300" cy="228600"/>
+          </a:xfrm>
+          <a:prstGeom prst="bentConnector2">
+            <a:avLst/>
+          </a:prstGeom>
+          <a:gradFill>
+            <a:gsLst>
+              <a:gs pos="0">
+                <a:srgbClr val="FFA09D"/>
+              </a:gs>
+              <a:gs pos="35000">
+                <a:srgbClr val="FFBCBC"/>
+              </a:gs>
+              <a:gs pos="100000">
+                <a:srgbClr val="FFE2E2"/>
+              </a:gs>
+            </a:gsLst>
+            <a:lin ang="16200000" scaled="0"/>
+          </a:gradFill>
+          <a:ln w="9525" cap="flat" cmpd="sng">
+            <a:solidFill>
+              <a:schemeClr val="accent3"/>
+            </a:solidFill>
+            <a:prstDash val="solid"/>
+            <a:round/>
+            <a:headEnd type="none" w="med" len="med"/>
+            <a:tailEnd type="none" w="med" len="med"/>
+          </a:ln>
+        </p:spPr>
+      </p:cxnSp>
+      <p:cxnSp>
+        <p:nvCxnSpPr>
+          <p:cNvPr id="211" name="Shape 211"/>
+          <p:cNvCxnSpPr>
+            <a:stCxn id="191" idx="3"/>
+            <a:endCxn id="195" idx="3"/>
+          </p:cNvCxnSpPr>
+          <p:nvPr/>
+        </p:nvCxnSpPr>
+        <p:spPr>
+          <a:xfrm rot="5400000">
+            <a:off x="3352824" y="2619334"/>
+            <a:ext cx="2510481" cy="1843808"/>
+          </a:xfrm>
+          <a:prstGeom prst="bentConnector2">
+            <a:avLst/>
+          </a:prstGeom>
+          <a:gradFill>
+            <a:gsLst>
+              <a:gs pos="0">
+                <a:srgbClr val="FFA09D"/>
+              </a:gs>
+              <a:gs pos="35000">
+                <a:srgbClr val="FFBCBC"/>
+              </a:gs>
+              <a:gs pos="100000">
+                <a:srgbClr val="FFE2E2"/>
+              </a:gs>
+            </a:gsLst>
+            <a:lin ang="16200000" scaled="0"/>
+          </a:gradFill>
+          <a:ln w="9525" cap="flat" cmpd="sng">
+            <a:solidFill>
+              <a:schemeClr val="accent3"/>
+            </a:solidFill>
+            <a:prstDash val="solid"/>
+            <a:round/>
+            <a:headEnd type="none" w="med" len="med"/>
+            <a:tailEnd type="none" w="med" len="med"/>
+          </a:ln>
+        </p:spPr>
+      </p:cxnSp>
+      <p:cxnSp>
+        <p:nvCxnSpPr>
+          <p:cNvPr id="212" name="Shape 212"/>
+          <p:cNvCxnSpPr>
+            <a:stCxn id="191" idx="3"/>
+            <a:endCxn id="198" idx="3"/>
+          </p:cNvCxnSpPr>
+          <p:nvPr/>
+        </p:nvCxnSpPr>
+        <p:spPr>
+          <a:xfrm rot="5400000">
+            <a:off x="3174564" y="2797596"/>
+            <a:ext cx="2867003" cy="1843807"/>
+          </a:xfrm>
+          <a:prstGeom prst="bentConnector2">
+            <a:avLst/>
+          </a:prstGeom>
+          <a:gradFill>
+            <a:gsLst>
+              <a:gs pos="0">
+                <a:srgbClr val="FFA09D"/>
+              </a:gs>
+              <a:gs pos="35000">
+                <a:srgbClr val="FFBCBC"/>
+              </a:gs>
+              <a:gs pos="100000">
+                <a:srgbClr val="FFE2E2"/>
+              </a:gs>
+            </a:gsLst>
+            <a:lin ang="16200000" scaled="0"/>
+          </a:gradFill>
+          <a:ln w="9525" cap="flat" cmpd="sng">
+            <a:solidFill>
+              <a:schemeClr val="accent3"/>
+            </a:solidFill>
+            <a:prstDash val="solid"/>
+            <a:round/>
+            <a:headEnd type="none" w="med" len="med"/>
+            <a:tailEnd type="none" w="med" len="med"/>
+          </a:ln>
+        </p:spPr>
+      </p:cxnSp>
+      <p:sp>
+        <p:nvSpPr>
+          <p:cNvPr id="213" name="Shape 213"/>
+          <p:cNvSpPr/>
+          <p:nvPr/>
+        </p:nvSpPr>
+        <p:spPr>
+          <a:xfrm>
+            <a:off x="3657600" y="1770924"/>
+            <a:ext cx="1031399" cy="346760"/>
+          </a:xfrm>
+          <a:prstGeom prst="rect">
+            <a:avLst/>
+          </a:prstGeom>
+          <a:solidFill>
+            <a:srgbClr val="00B050"/>
+          </a:solidFill>
+          <a:ln w="19050" cap="flat" cmpd="sng">
+            <a:solidFill>
+              <a:srgbClr val="00B050"/>
+            </a:solidFill>
+            <a:prstDash val="solid"/>
+            <a:round/>
+            <a:headEnd type="none" w="med" len="med"/>
+            <a:tailEnd type="none" w="med" len="med"/>
+          </a:ln>
+        </p:spPr>
+        <p:txBody>
+          <a:bodyPr lIns="91425" tIns="45700" rIns="91425" bIns="45700" anchor="ctr" anchorCtr="0">
+            <a:noAutofit/>
+          </a:bodyPr>
+          <a:lstStyle/>
+          <a:p>
+            <a:pPr marL="0" marR="0" lvl="0" indent="0" algn="ctr" rtl="0">
+              <a:spcBef>
+                <a:spcPts val="0"/>
+              </a:spcBef>
+              <a:buSzPct val="25000"/>
+              <a:buNone/>
+            </a:pPr>
+            <a:r>
+              <a:rPr lang="en-US" sz="1050">
+                <a:solidFill>
+                  <a:schemeClr val="lt1"/>
+                </a:solidFill>
+                <a:latin typeface="Calibri"/>
+                <a:ea typeface="Calibri"/>
+                <a:cs typeface="Calibri"/>
+                <a:sym typeface="Calibri"/>
+              </a:rPr>
+              <a:t>UiPartLoader</a:t>
+            </a:r>
+          </a:p>
+        </p:txBody>
+      </p:sp>
+      <p:cxnSp>
+        <p:nvCxnSpPr>
+          <p:cNvPr id="214" name="Shape 214"/>
+          <p:cNvCxnSpPr>
+            <a:stCxn id="189" idx="0"/>
+          </p:cNvCxnSpPr>
+          <p:nvPr/>
+        </p:nvCxnSpPr>
+        <p:spPr>
+          <a:xfrm rot="-5400000">
+            <a:off x="4594909" y="-355025"/>
+            <a:ext cx="170700" cy="4081200"/>
+          </a:xfrm>
+          <a:prstGeom prst="bentConnector2">
+            <a:avLst/>
+          </a:prstGeom>
+          <a:gradFill>
+            <a:gsLst>
+              <a:gs pos="0">
+                <a:srgbClr val="FFA09D"/>
+              </a:gs>
+              <a:gs pos="35000">
+                <a:srgbClr val="FFBCBC"/>
+              </a:gs>
+              <a:gs pos="100000">
+                <a:srgbClr val="FFE2E2"/>
+              </a:gs>
+            </a:gsLst>
+            <a:lin ang="16200000" scaled="0"/>
+          </a:gradFill>
+          <a:ln w="19050" cap="flat" cmpd="sng">
+            <a:solidFill>
+              <a:srgbClr val="00B050"/>
+            </a:solidFill>
+            <a:prstDash val="solid"/>
+            <a:round/>
+            <a:headEnd type="none" w="med" len="med"/>
+            <a:tailEnd type="stealth" w="lg" len="lg"/>
+          </a:ln>
+        </p:spPr>
+      </p:cxnSp>
+      <p:cxnSp>
+        <p:nvCxnSpPr>
+          <p:cNvPr id="215" name="Shape 215"/>
+          <p:cNvCxnSpPr/>
+          <p:nvPr/>
+        </p:nvCxnSpPr>
+        <p:spPr>
+          <a:xfrm rot="10800000" flipH="1">
+            <a:off x="3198608" y="1944303"/>
+            <a:ext cx="484447" cy="2307"/>
+          </a:xfrm>
+          <a:prstGeom prst="straightConnector1">
+            <a:avLst/>
+          </a:prstGeom>
+          <a:gradFill>
+            <a:gsLst>
+              <a:gs pos="0">
+                <a:srgbClr val="FFA09D"/>
+              </a:gs>
+              <a:gs pos="35000">
+                <a:srgbClr val="FFBCBC"/>
+              </a:gs>
+              <a:gs pos="100000">
+                <a:srgbClr val="FFE2E2"/>
+              </a:gs>
+            </a:gsLst>
+            <a:lin ang="16200000" scaled="0"/>
+          </a:gradFill>
+          <a:ln w="19050" cap="flat" cmpd="sng">
+            <a:solidFill>
+              <a:srgbClr val="00B050"/>
+            </a:solidFill>
+            <a:prstDash val="solid"/>
+            <a:round/>
+            <a:headEnd type="none" w="med" len="med"/>
+            <a:tailEnd type="stealth" w="lg" len="lg"/>
+          </a:ln>
+        </p:spPr>
+      </p:cxnSp>
+      <p:cxnSp>
+        <p:nvCxnSpPr>
+          <p:cNvPr id="216" name="Shape 216"/>
+          <p:cNvCxnSpPr>
+            <a:endCxn id="206" idx="1"/>
+          </p:cNvCxnSpPr>
+          <p:nvPr/>
+        </p:nvCxnSpPr>
+        <p:spPr>
+          <a:xfrm rot="10800000" flipH="1">
+            <a:off x="4714348" y="1944304"/>
+            <a:ext cx="429600" cy="2400"/>
+          </a:xfrm>
+          <a:prstGeom prst="straightConnector1">
+            <a:avLst/>
+          </a:prstGeom>
+          <a:gradFill>
+            <a:gsLst>
+              <a:gs pos="0">
+                <a:srgbClr val="FFA09D"/>
+              </a:gs>
+              <a:gs pos="35000">
+                <a:srgbClr val="FFBCBC"/>
+              </a:gs>
+              <a:gs pos="100000">
+                <a:srgbClr val="FFE2E2"/>
+              </a:gs>
+            </a:gsLst>
+            <a:lin ang="16200000" scaled="0"/>
+          </a:gradFill>
+          <a:ln w="19050" cap="flat" cmpd="sng">
+            <a:solidFill>
+              <a:schemeClr val="accent3"/>
+            </a:solidFill>
+            <a:prstDash val="dot"/>
+            <a:round/>
+            <a:headEnd type="none" w="med" len="med"/>
+            <a:tailEnd type="stealth" w="lg" len="lg"/>
+          </a:ln>
+        </p:spPr>
+      </p:cxnSp>
+      <p:sp>
+        <p:nvSpPr>
+          <p:cNvPr id="217" name="Shape 217"/>
+          <p:cNvSpPr/>
+          <p:nvPr/>
+        </p:nvSpPr>
+        <p:spPr>
+          <a:xfrm rot="-5400000">
+            <a:off x="6213738" y="4560376"/>
+            <a:ext cx="1371598" cy="328045"/>
+          </a:xfrm>
+          <a:prstGeom prst="roundRect">
+            <a:avLst>
+              <a:gd name="adj" fmla="val 16667"/>
+            </a:avLst>
+          </a:prstGeom>
+          <a:solidFill>
+            <a:srgbClr val="E5DFEC"/>
+          </a:solidFill>
+          <a:ln>
+            <a:noFill/>
+          </a:ln>
+        </p:spPr>
+        <p:txBody>
+          <a:bodyPr lIns="91425" tIns="45700" rIns="91425" bIns="45700" anchor="ctr" anchorCtr="0">
+            <a:noAutofit/>
+          </a:bodyPr>
+          <a:lstStyle/>
+          <a:p>
+            <a:pPr marL="0" marR="0" lvl="0" indent="0" algn="ctr" rtl="0">
+              <a:spcBef>
+                <a:spcPts val="0"/>
+              </a:spcBef>
+              <a:buSzPct val="25000"/>
+              <a:buNone/>
+            </a:pPr>
+            <a:r>
+              <a:rPr lang="en-US" sz="1100" b="1">
+                <a:solidFill>
+                  <a:schemeClr val="lt1"/>
+                </a:solidFill>
+                <a:latin typeface="Calibri"/>
+                <a:ea typeface="Calibri"/>
+                <a:cs typeface="Calibri"/>
+                <a:sym typeface="Calibri"/>
+              </a:rPr>
+              <a:t>Model</a:t>
+            </a:r>
+          </a:p>
+        </p:txBody>
+      </p:sp>
+      <p:sp>
+        <p:nvSpPr>
+          <p:cNvPr id="218" name="Shape 218"/>
+          <p:cNvSpPr/>
+          <p:nvPr/>
+        </p:nvSpPr>
+        <p:spPr>
+          <a:xfrm rot="-5400000">
+            <a:off x="956201" y="2861202"/>
+            <a:ext cx="1093634" cy="346760"/>
+          </a:xfrm>
+          <a:prstGeom prst="rect">
+            <a:avLst/>
+          </a:prstGeom>
+          <a:solidFill>
+            <a:srgbClr val="00B050"/>
+          </a:solidFill>
+          <a:ln w="19050" cap="flat" cmpd="sng">
+            <a:solidFill>
+              <a:srgbClr val="00B050"/>
+            </a:solidFill>
+            <a:prstDash val="solid"/>
+            <a:round/>
+            <a:headEnd type="none" w="med" len="med"/>
+            <a:tailEnd type="none" w="med" len="med"/>
+          </a:ln>
+        </p:spPr>
+        <p:txBody>
+          <a:bodyPr lIns="91425" tIns="45700" rIns="91425" bIns="45700" anchor="ctr" anchorCtr="0">
+            <a:noAutofit/>
+          </a:bodyPr>
+          <a:lstStyle/>
+          <a:p>
+            <a:pPr marL="0" marR="0" lvl="0" indent="0" algn="ctr" rtl="0">
+              <a:spcBef>
+                <a:spcPts val="0"/>
+              </a:spcBef>
+              <a:buSzPct val="25000"/>
+              <a:buNone/>
+            </a:pPr>
+            <a:r>
+              <a:rPr lang="en-US" sz="1050">
+                <a:solidFill>
+                  <a:schemeClr val="lt1"/>
+                </a:solidFill>
+                <a:latin typeface="Calibri"/>
+                <a:ea typeface="Calibri"/>
+                <a:cs typeface="Calibri"/>
+                <a:sym typeface="Calibri"/>
+              </a:rPr>
+              <a:t>&lt;&lt;interface&gt;&gt;</a:t>
+            </a:r>
+          </a:p>
+          <a:p>
+            <a:pPr marL="0" marR="0" lvl="0" indent="0" algn="ctr" rtl="0">
+              <a:spcBef>
+                <a:spcPts val="0"/>
+              </a:spcBef>
+              <a:buSzPct val="25000"/>
+              <a:buNone/>
+            </a:pPr>
+            <a:r>
+              <a:rPr lang="en-US" sz="1050">
+                <a:solidFill>
+                  <a:schemeClr val="lt1"/>
+                </a:solidFill>
+                <a:latin typeface="Calibri"/>
+                <a:ea typeface="Calibri"/>
+                <a:cs typeface="Calibri"/>
+                <a:sym typeface="Calibri"/>
+              </a:rPr>
+              <a:t>Ui</a:t>
+            </a:r>
+          </a:p>
+        </p:txBody>
+      </p:sp>
+      <p:sp>
+        <p:nvSpPr>
+          <p:cNvPr id="219" name="Shape 219"/>
+          <p:cNvSpPr/>
+          <p:nvPr/>
+        </p:nvSpPr>
+        <p:spPr>
+          <a:xfrm rot="10800000" flipH="1">
+            <a:off x="1367766" y="2286001"/>
+            <a:ext cx="270503" cy="175522"/>
+          </a:xfrm>
+          <a:prstGeom prst="triangle">
+            <a:avLst>
+              <a:gd name="adj" fmla="val 50000"/>
+            </a:avLst>
+          </a:prstGeom>
+          <a:gradFill>
+            <a:gsLst>
+              <a:gs pos="0">
+                <a:srgbClr val="DAFEA4"/>
+              </a:gs>
+              <a:gs pos="35000">
+                <a:srgbClr val="E3FEBF"/>
+              </a:gs>
+              <a:gs pos="100000">
+                <a:srgbClr val="F4FEE6"/>
+              </a:gs>
+            </a:gsLst>
+            <a:lin ang="16200000" scaled="0"/>
+          </a:gradFill>
+          <a:ln w="19050" cap="flat" cmpd="sng">
+            <a:solidFill>
+              <a:srgbClr val="00B050"/>
+            </a:solidFill>
+            <a:prstDash val="solid"/>
+            <a:round/>
+            <a:headEnd type="none" w="med" len="med"/>
+            <a:tailEnd type="none" w="med" len="med"/>
+          </a:ln>
+        </p:spPr>
+        <p:txBody>
+          <a:bodyPr lIns="91425" tIns="45700" rIns="91425" bIns="45700" anchor="ctr" anchorCtr="0">
+            <a:noAutofit/>
+          </a:bodyPr>
+          <a:lstStyle/>
+          <a:p>
+            <a:pPr marL="0" marR="0" lvl="0" indent="0" algn="ctr" rtl="0">
+              <a:spcBef>
+                <a:spcPts val="0"/>
+              </a:spcBef>
+              <a:buNone/>
+            </a:pPr>
+            <a:endParaRPr sz="1050" b="1">
+              <a:solidFill>
+                <a:srgbClr val="92D050"/>
+              </a:solidFill>
+              <a:latin typeface="Calibri"/>
+              <a:ea typeface="Calibri"/>
+              <a:cs typeface="Calibri"/>
+              <a:sym typeface="Calibri"/>
+            </a:endParaRPr>
+          </a:p>
+        </p:txBody>
+      </p:sp>
+      <p:cxnSp>
+        <p:nvCxnSpPr>
+          <p:cNvPr id="220" name="Shape 220"/>
+          <p:cNvCxnSpPr>
+            <a:stCxn id="189" idx="1"/>
+            <a:endCxn id="219" idx="3"/>
+          </p:cNvCxnSpPr>
+          <p:nvPr/>
+        </p:nvCxnSpPr>
+        <p:spPr>
+          <a:xfrm flipH="1">
+            <a:off x="1503041" y="1944304"/>
+            <a:ext cx="589800" cy="341700"/>
+          </a:xfrm>
+          <a:prstGeom prst="bentConnector2">
+            <a:avLst/>
+          </a:prstGeom>
+          <a:gradFill>
+            <a:gsLst>
+              <a:gs pos="0">
+                <a:srgbClr val="FFA09D"/>
+              </a:gs>
+              <a:gs pos="35000">
+                <a:srgbClr val="FFBCBC"/>
+              </a:gs>
+              <a:gs pos="100000">
+                <a:srgbClr val="FFE2E2"/>
+              </a:gs>
+            </a:gsLst>
+            <a:lin ang="16200000" scaled="0"/>
+          </a:gradFill>
+          <a:ln w="19050" cap="flat" cmpd="sng">
+            <a:solidFill>
+              <a:srgbClr val="00B050"/>
+            </a:solidFill>
+            <a:prstDash val="dot"/>
+            <a:round/>
+            <a:headEnd type="none" w="med" len="med"/>
+            <a:tailEnd type="none" w="med" len="med"/>
+          </a:ln>
+        </p:spPr>
+      </p:cxnSp>
+      <p:cxnSp>
+        <p:nvCxnSpPr>
+          <p:cNvPr id="221" name="Shape 221"/>
+          <p:cNvCxnSpPr>
+            <a:stCxn id="188" idx="2"/>
+            <a:endCxn id="201" idx="1"/>
+          </p:cNvCxnSpPr>
+          <p:nvPr/>
+        </p:nvCxnSpPr>
+        <p:spPr>
+          <a:xfrm rot="-5400000" flipH="1">
+            <a:off x="3389845" y="3165500"/>
+            <a:ext cx="119400" cy="620400"/>
+          </a:xfrm>
+          <a:prstGeom prst="bentConnector2">
+            <a:avLst/>
+          </a:prstGeom>
+          <a:gradFill>
+            <a:gsLst>
+              <a:gs pos="0">
+                <a:srgbClr val="FFA09D"/>
+              </a:gs>
+              <a:gs pos="35000">
+                <a:srgbClr val="FFBCBC"/>
+              </a:gs>
+              <a:gs pos="100000">
+                <a:srgbClr val="FFE2E2"/>
+              </a:gs>
+            </a:gsLst>
+            <a:lin ang="16200000" scaled="0"/>
+          </a:gradFill>
+          <a:ln w="19050" cap="flat" cmpd="sng">
+            <a:solidFill>
+              <a:schemeClr val="accent3"/>
+            </a:solidFill>
+            <a:prstDash val="solid"/>
+            <a:round/>
+            <a:headEnd type="none" w="med" len="med"/>
+            <a:tailEnd type="stealth" w="lg" len="lg"/>
+          </a:ln>
+        </p:spPr>
+      </p:cxnSp>
+      <p:cxnSp>
+        <p:nvCxnSpPr>
+          <p:cNvPr id="222" name="Shape 222"/>
+          <p:cNvCxnSpPr>
+            <a:stCxn id="191" idx="3"/>
+            <a:endCxn id="188" idx="3"/>
+          </p:cNvCxnSpPr>
+          <p:nvPr/>
+        </p:nvCxnSpPr>
+        <p:spPr>
+          <a:xfrm rot="5400000">
+            <a:off x="4102269" y="1869899"/>
+            <a:ext cx="1011600" cy="1843800"/>
+          </a:xfrm>
+          <a:prstGeom prst="bentConnector2">
+            <a:avLst/>
+          </a:prstGeom>
+          <a:gradFill>
+            <a:gsLst>
+              <a:gs pos="0">
+                <a:srgbClr val="FFA09D"/>
+              </a:gs>
+              <a:gs pos="35000">
+                <a:srgbClr val="FFBCBC"/>
+              </a:gs>
+              <a:gs pos="100000">
+                <a:srgbClr val="FFE2E2"/>
+              </a:gs>
+            </a:gsLst>
+            <a:lin ang="16200000" scaled="0"/>
+          </a:gradFill>
+          <a:ln w="9525" cap="flat" cmpd="sng">
+            <a:solidFill>
+              <a:schemeClr val="accent3"/>
+            </a:solidFill>
+            <a:prstDash val="solid"/>
+            <a:round/>
+            <a:headEnd type="none" w="med" len="med"/>
+            <a:tailEnd type="none" w="med" len="med"/>
+          </a:ln>
+        </p:spPr>
+      </p:cxnSp>
+      <p:cxnSp>
+        <p:nvCxnSpPr>
+          <p:cNvPr id="224" name="Shape 224"/>
+          <p:cNvCxnSpPr>
+            <a:stCxn id="191" idx="3"/>
+            <a:endCxn id="196" idx="3"/>
+          </p:cNvCxnSpPr>
+          <p:nvPr/>
+        </p:nvCxnSpPr>
+        <p:spPr>
+          <a:xfrm rot="5400000">
+            <a:off x="3695919" y="2276249"/>
+            <a:ext cx="1824300" cy="1843800"/>
+          </a:xfrm>
+          <a:prstGeom prst="bentConnector2">
+            <a:avLst/>
+          </a:prstGeom>
+          <a:gradFill>
+            <a:gsLst>
+              <a:gs pos="0">
+                <a:srgbClr val="FFA09D"/>
+              </a:gs>
+              <a:gs pos="35000">
+                <a:srgbClr val="FFBCBC"/>
+              </a:gs>
+              <a:gs pos="100000">
+                <a:srgbClr val="FFE2E2"/>
+              </a:gs>
+            </a:gsLst>
+            <a:lin ang="16200000" scaled="0"/>
+          </a:gradFill>
+          <a:ln w="9525" cap="flat" cmpd="sng">
+            <a:solidFill>
+              <a:schemeClr val="accent3"/>
+            </a:solidFill>
+            <a:prstDash val="solid"/>
+            <a:round/>
+            <a:headEnd type="none" w="med" len="med"/>
+            <a:tailEnd type="none" w="med" len="med"/>
+          </a:ln>
+        </p:spPr>
+      </p:cxnSp>
+      <p:sp>
+        <p:nvSpPr>
+          <p:cNvPr id="225" name="Shape 225"/>
+          <p:cNvSpPr/>
+          <p:nvPr/>
+        </p:nvSpPr>
+        <p:spPr>
+          <a:xfrm>
+            <a:off x="5435896" y="2895600"/>
+            <a:ext cx="229325" cy="166560"/>
+          </a:xfrm>
+          <a:prstGeom prst="rect">
+            <a:avLst/>
+          </a:prstGeom>
+          <a:solidFill>
+            <a:srgbClr val="EAF1DD">
+              <a:alpha val="80000"/>
+            </a:srgbClr>
+          </a:solidFill>
+          <a:ln>
+            <a:noFill/>
+          </a:ln>
+        </p:spPr>
+        <p:txBody>
+          <a:bodyPr lIns="91425" tIns="45700" rIns="91425" bIns="45700" anchor="ctr" anchorCtr="0">
+            <a:noAutofit/>
+          </a:bodyPr>
+          <a:lstStyle/>
+          <a:p>
+            <a:pPr marL="0" marR="0" lvl="0" indent="0" algn="ctr" rtl="0">
+              <a:spcBef>
+                <a:spcPts val="0"/>
+              </a:spcBef>
+              <a:buNone/>
+            </a:pPr>
+            <a:endParaRPr sz="1800">
+              <a:solidFill>
+                <a:schemeClr val="lt1"/>
+              </a:solidFill>
+              <a:latin typeface="Calibri"/>
+              <a:ea typeface="Calibri"/>
+              <a:cs typeface="Calibri"/>
+              <a:sym typeface="Calibri"/>
+            </a:endParaRPr>
+          </a:p>
+        </p:txBody>
+      </p:sp>
+      <p:sp>
+        <p:nvSpPr>
+          <p:cNvPr id="226" name="Shape 226"/>
+          <p:cNvSpPr/>
+          <p:nvPr/>
+        </p:nvSpPr>
+        <p:spPr>
+          <a:xfrm>
+            <a:off x="3687514" y="2981201"/>
+            <a:ext cx="3048000" cy="203199"/>
+          </a:xfrm>
+          <a:custGeom>
+            <a:avLst/>
+            <a:gdLst/>
+            <a:ahLst/>
+            <a:cxnLst/>
+            <a:rect l="0" t="0" r="0" b="0"/>
+            <a:pathLst>
+              <a:path w="120000" h="120000" extrusionOk="0">
+                <a:moveTo>
+                  <a:pt x="0" y="119999"/>
+                </a:moveTo>
+                <a:lnTo>
+                  <a:pt x="8727" y="0"/>
+                </a:lnTo>
+                <a:lnTo>
+                  <a:pt x="120000" y="0"/>
+                </a:lnTo>
+              </a:path>
+            </a:pathLst>
+          </a:custGeom>
+          <a:noFill/>
+          <a:ln w="19050" cap="flat" cmpd="sng">
+            <a:solidFill>
+              <a:schemeClr val="accent3"/>
+            </a:solidFill>
+            <a:prstDash val="solid"/>
+            <a:round/>
+            <a:headEnd type="none" w="med" len="med"/>
+            <a:tailEnd type="stealth" w="lg" len="lg"/>
+          </a:ln>
+        </p:spPr>
+        <p:txBody>
+          <a:bodyPr lIns="91425" tIns="45700" rIns="91425" bIns="45700" anchor="ctr" anchorCtr="0">
+            <a:noAutofit/>
+          </a:bodyPr>
+          <a:lstStyle/>
+          <a:p>
+            <a:pPr marL="0" marR="0" lvl="0" indent="0" algn="ctr" rtl="0">
+              <a:spcBef>
+                <a:spcPts val="0"/>
+              </a:spcBef>
+              <a:buNone/>
+            </a:pPr>
+            <a:endParaRPr sz="1800">
+              <a:solidFill>
+                <a:schemeClr val="dk1"/>
+              </a:solidFill>
+              <a:latin typeface="Calibri"/>
+              <a:ea typeface="Calibri"/>
+              <a:cs typeface="Calibri"/>
+              <a:sym typeface="Calibri"/>
+            </a:endParaRPr>
+          </a:p>
+        </p:txBody>
+      </p:sp>
+      <p:sp>
+        <p:nvSpPr>
+          <p:cNvPr id="227" name="Shape 227"/>
+          <p:cNvSpPr/>
+          <p:nvPr/>
+        </p:nvSpPr>
+        <p:spPr>
+          <a:xfrm>
+            <a:off x="5431573" y="4488137"/>
+            <a:ext cx="229325" cy="160061"/>
+          </a:xfrm>
+          <a:prstGeom prst="rect">
+            <a:avLst/>
+          </a:prstGeom>
+          <a:solidFill>
+            <a:srgbClr val="EAF1DD">
+              <a:alpha val="80000"/>
+            </a:srgbClr>
+          </a:solidFill>
+          <a:ln>
+            <a:noFill/>
+          </a:ln>
+        </p:spPr>
+        <p:txBody>
+          <a:bodyPr lIns="91425" tIns="45700" rIns="91425" bIns="45700" anchor="ctr" anchorCtr="0">
+            <a:noAutofit/>
+          </a:bodyPr>
+          <a:lstStyle/>
+          <a:p>
+            <a:pPr marL="0" marR="0" lvl="0" indent="0" algn="ctr" rtl="0">
+              <a:spcBef>
+                <a:spcPts val="0"/>
+              </a:spcBef>
+              <a:buNone/>
+            </a:pPr>
+            <a:endParaRPr sz="1800">
+              <a:solidFill>
+                <a:schemeClr val="lt1"/>
+              </a:solidFill>
+              <a:latin typeface="Calibri"/>
+              <a:ea typeface="Calibri"/>
+              <a:cs typeface="Calibri"/>
+              <a:sym typeface="Calibri"/>
+            </a:endParaRPr>
+          </a:p>
+        </p:txBody>
+      </p:sp>
+      <p:sp>
+        <p:nvSpPr>
+          <p:cNvPr id="228" name="Shape 228"/>
+          <p:cNvSpPr/>
+          <p:nvPr/>
+        </p:nvSpPr>
+        <p:spPr>
+          <a:xfrm rot="10800000" flipH="1">
+            <a:off x="3695700" y="4114800"/>
+            <a:ext cx="3061292" cy="459506"/>
+          </a:xfrm>
+          <a:custGeom>
+            <a:avLst/>
+            <a:gdLst/>
+            <a:ahLst/>
+            <a:cxnLst/>
+            <a:rect l="0" t="0" r="0" b="0"/>
+            <a:pathLst>
+              <a:path w="120000" h="120000" extrusionOk="0">
+                <a:moveTo>
+                  <a:pt x="0" y="119999"/>
+                </a:moveTo>
+                <a:lnTo>
+                  <a:pt x="8727" y="0"/>
+                </a:lnTo>
+                <a:lnTo>
+                  <a:pt x="120000" y="0"/>
+                </a:lnTo>
+              </a:path>
+            </a:pathLst>
+          </a:custGeom>
+          <a:noFill/>
+          <a:ln w="19050" cap="flat" cmpd="sng">
+            <a:solidFill>
+              <a:schemeClr val="accent3"/>
+            </a:solidFill>
+            <a:prstDash val="dot"/>
+            <a:round/>
+            <a:headEnd type="none" w="med" len="med"/>
+            <a:tailEnd type="stealth" w="lg" len="lg"/>
+          </a:ln>
+        </p:spPr>
+        <p:txBody>
+          <a:bodyPr lIns="91425" tIns="45700" rIns="91425" bIns="45700" anchor="ctr" anchorCtr="0">
+            <a:noAutofit/>
+          </a:bodyPr>
+          <a:lstStyle/>
+          <a:p>
+            <a:pPr marL="0" marR="0" lvl="0" indent="0" algn="ctr" rtl="0">
+              <a:spcBef>
+                <a:spcPts val="0"/>
+              </a:spcBef>
+              <a:buNone/>
+            </a:pPr>
+            <a:endParaRPr sz="1800">
+              <a:solidFill>
+                <a:schemeClr val="dk1"/>
+              </a:solidFill>
+              <a:latin typeface="Calibri"/>
+              <a:ea typeface="Calibri"/>
+              <a:cs typeface="Calibri"/>
+              <a:sym typeface="Calibri"/>
+            </a:endParaRPr>
+          </a:p>
+        </p:txBody>
+      </p:sp>
+      <p:sp>
+        <p:nvSpPr>
+          <p:cNvPr id="45" name="Shape 196"/>
+          <p:cNvSpPr/>
+          <p:nvPr/>
+        </p:nvSpPr>
+        <p:spPr>
+          <a:xfrm>
+            <a:off x="2600145" y="4342480"/>
+            <a:ext cx="1093634" cy="236841"/>
+          </a:xfrm>
+          <a:prstGeom prst="rect">
+            <a:avLst/>
+          </a:prstGeom>
+          <a:gradFill>
+            <a:gsLst>
+              <a:gs pos="0">
+                <a:srgbClr val="DAFEA4"/>
+              </a:gs>
+              <a:gs pos="35000">
+                <a:srgbClr val="E3FEBF"/>
+              </a:gs>
+              <a:gs pos="100000">
+                <a:srgbClr val="F4FEE6"/>
+              </a:gs>
+            </a:gsLst>
+            <a:lin ang="16200000" scaled="0"/>
+          </a:gradFill>
+          <a:ln w="19050" cap="flat" cmpd="sng">
+            <a:solidFill>
+              <a:schemeClr val="accent3"/>
+            </a:solidFill>
+            <a:prstDash val="solid"/>
+            <a:round/>
+            <a:headEnd type="none" w="med" len="med"/>
+            <a:tailEnd type="none" w="med" len="med"/>
+          </a:ln>
+        </p:spPr>
+        <p:txBody>
+          <a:bodyPr lIns="91425" tIns="45700" rIns="91425" bIns="45700" anchor="ctr" anchorCtr="0">
+            <a:noAutofit/>
+          </a:bodyPr>
+          <a:lstStyle/>
+          <a:p>
+            <a:pPr marL="0" marR="0" lvl="0" indent="0" algn="ctr" rtl="0">
+              <a:spcBef>
+                <a:spcPts val="0"/>
+              </a:spcBef>
+              <a:buSzPct val="25000"/>
+              <a:buNone/>
+            </a:pPr>
+            <a:r>
+              <a:rPr lang="en-US" sz="1050" b="1" dirty="0" err="1" smtClean="0">
+                <a:solidFill>
+                  <a:srgbClr val="76923C"/>
+                </a:solidFill>
+                <a:latin typeface="Calibri"/>
+                <a:ea typeface="Calibri"/>
+                <a:cs typeface="Calibri"/>
+                <a:sym typeface="Calibri"/>
+              </a:rPr>
+              <a:t>FloatingPanel</a:t>
+            </a:r>
+            <a:endParaRPr lang="en-US" sz="1050" b="1" dirty="0">
+              <a:solidFill>
+                <a:srgbClr val="76923C"/>
+              </a:solidFill>
+              <a:latin typeface="Calibri"/>
+              <a:ea typeface="Calibri"/>
+              <a:cs typeface="Calibri"/>
+              <a:sym typeface="Calibri"/>
+            </a:endParaRPr>
+          </a:p>
+        </p:txBody>
+      </p:sp>
+      <p:cxnSp>
+        <p:nvCxnSpPr>
+          <p:cNvPr id="48" name="Shape 204"/>
+          <p:cNvCxnSpPr>
+            <a:stCxn id="199" idx="2"/>
+            <a:endCxn id="45" idx="1"/>
+          </p:cNvCxnSpPr>
+          <p:nvPr/>
+        </p:nvCxnSpPr>
+        <p:spPr>
+          <a:xfrm rot="16200000" flipH="1">
+            <a:off x="1711696" y="3572452"/>
+            <a:ext cx="1592878" cy="184019"/>
+          </a:xfrm>
+          <a:prstGeom prst="bentConnector2">
+            <a:avLst/>
+          </a:prstGeom>
+          <a:gradFill>
+            <a:gsLst>
+              <a:gs pos="0">
+                <a:srgbClr val="FFA09D"/>
+              </a:gs>
+              <a:gs pos="35000">
+                <a:srgbClr val="FFBCBC"/>
+              </a:gs>
+              <a:gs pos="100000">
+                <a:srgbClr val="FFE2E2"/>
+              </a:gs>
+            </a:gsLst>
+            <a:lin ang="16200000" scaled="0"/>
+          </a:gradFill>
+          <a:ln w="19050" cap="flat" cmpd="sng">
+            <a:solidFill>
+              <a:schemeClr val="accent3"/>
+            </a:solidFill>
+            <a:prstDash val="solid"/>
+            <a:round/>
+            <a:headEnd type="none" w="med" len="med"/>
+            <a:tailEnd type="stealth" w="lg" len="lg"/>
+          </a:ln>
+        </p:spPr>
+      </p:cxnSp>
+      <p:sp>
+        <p:nvSpPr>
+          <p:cNvPr id="52" name="Shape 228"/>
+          <p:cNvSpPr/>
+          <p:nvPr/>
+        </p:nvSpPr>
+        <p:spPr>
+          <a:xfrm rot="10800000" flipH="1">
+            <a:off x="3703320" y="4465320"/>
+            <a:ext cx="3053672" cy="451886"/>
+          </a:xfrm>
+          <a:custGeom>
+            <a:avLst/>
+            <a:gdLst/>
+            <a:ahLst/>
+            <a:cxnLst/>
+            <a:rect l="0" t="0" r="0" b="0"/>
+            <a:pathLst>
+              <a:path w="120000" h="120000" extrusionOk="0">
+                <a:moveTo>
+                  <a:pt x="0" y="119999"/>
+                </a:moveTo>
+                <a:lnTo>
+                  <a:pt x="8727" y="0"/>
+                </a:lnTo>
+                <a:lnTo>
+                  <a:pt x="120000" y="0"/>
+                </a:lnTo>
+              </a:path>
+            </a:pathLst>
+          </a:custGeom>
+          <a:noFill/>
+          <a:ln w="19050" cap="flat" cmpd="sng">
+            <a:solidFill>
+              <a:schemeClr val="accent3"/>
+            </a:solidFill>
+            <a:prstDash val="dot"/>
+            <a:round/>
+            <a:headEnd type="none" w="med" len="med"/>
+            <a:tailEnd type="stealth" w="lg" len="lg"/>
+          </a:ln>
+        </p:spPr>
+        <p:txBody>
+          <a:bodyPr lIns="91425" tIns="45700" rIns="91425" bIns="45700" anchor="ctr" anchorCtr="0">
+            <a:noAutofit/>
+          </a:bodyPr>
+          <a:lstStyle/>
+          <a:p>
+            <a:pPr marL="0" marR="0" lvl="0" indent="0" algn="ctr" rtl="0">
+              <a:spcBef>
+                <a:spcPts val="0"/>
+              </a:spcBef>
+              <a:buNone/>
+            </a:pPr>
+            <a:endParaRPr sz="1800">
+              <a:solidFill>
+                <a:schemeClr val="dk1"/>
+              </a:solidFill>
+              <a:latin typeface="Calibri"/>
+              <a:ea typeface="Calibri"/>
+              <a:cs typeface="Calibri"/>
+              <a:sym typeface="Calibri"/>
+            </a:endParaRPr>
+          </a:p>
+        </p:txBody>
+      </p:sp>
+      <p:sp>
+        <p:nvSpPr>
+          <p:cNvPr id="53" name="Shape 228"/>
+          <p:cNvSpPr/>
+          <p:nvPr/>
+        </p:nvSpPr>
+        <p:spPr>
+          <a:xfrm rot="10800000" flipH="1">
+            <a:off x="3695700" y="3764280"/>
+            <a:ext cx="3068912" cy="451886"/>
+          </a:xfrm>
+          <a:custGeom>
+            <a:avLst/>
+            <a:gdLst/>
+            <a:ahLst/>
+            <a:cxnLst/>
+            <a:rect l="0" t="0" r="0" b="0"/>
+            <a:pathLst>
+              <a:path w="120000" h="120000" extrusionOk="0">
+                <a:moveTo>
+                  <a:pt x="0" y="119999"/>
+                </a:moveTo>
+                <a:lnTo>
+                  <a:pt x="8727" y="0"/>
+                </a:lnTo>
+                <a:lnTo>
+                  <a:pt x="120000" y="0"/>
+                </a:lnTo>
+              </a:path>
+            </a:pathLst>
+          </a:custGeom>
+          <a:noFill/>
+          <a:ln w="19050" cap="flat" cmpd="sng">
+            <a:solidFill>
+              <a:schemeClr val="accent3"/>
+            </a:solidFill>
+            <a:prstDash val="dot"/>
+            <a:round/>
+            <a:headEnd type="none" w="med" len="med"/>
+            <a:tailEnd type="stealth" w="lg" len="lg"/>
+          </a:ln>
+        </p:spPr>
+        <p:txBody>
+          <a:bodyPr lIns="91425" tIns="45700" rIns="91425" bIns="45700" anchor="ctr" anchorCtr="0">
+            <a:noAutofit/>
+          </a:bodyPr>
+          <a:lstStyle/>
+          <a:p>
+            <a:pPr marL="0" marR="0" lvl="0" indent="0" algn="ctr" rtl="0">
+              <a:spcBef>
+                <a:spcPts val="0"/>
+              </a:spcBef>
+              <a:buNone/>
+            </a:pPr>
+            <a:endParaRPr sz="1800">
+              <a:solidFill>
+                <a:schemeClr val="dk1"/>
+              </a:solidFill>
+              <a:latin typeface="Calibri"/>
+              <a:ea typeface="Calibri"/>
+              <a:cs typeface="Calibri"/>
+              <a:sym typeface="Calibri"/>
+            </a:endParaRPr>
+          </a:p>
+        </p:txBody>
+      </p:sp>
+    </p:spTree>
+  </p:cSld>
+  <p:clrMapOvr>
+    <a:masterClrMapping/>
+  </p:clrMapOvr>
+</p:sld>
+</file>
+
+<file path=ppt/slides/slide6.xml><?xml version="1.0" encoding="utf-8"?>
+<p:sld xmlns:a="http://schemas.openxmlformats.org/drawingml/2006/main" xmlns:r="http://schemas.openxmlformats.org/officeDocument/2006/relationships" xmlns:p="http://schemas.openxmlformats.org/presentationml/2006/main">
+  <p:cSld>
+    <p:spTree>
+      <p:nvGrpSpPr>
         <p:cNvPr id="1" name="Shape 232"/>
         <p:cNvGrpSpPr/>
         <p:nvPr/>
@@ -19924,7 +22576,7 @@
 </p:sld>
 </file>
 
-<file path=ppt/slides/slide6.xml><?xml version="1.0" encoding="utf-8"?>
+<file path=ppt/slides/slide7.xml><?xml version="1.0" encoding="utf-8"?>
 <p:sld xmlns:a="http://schemas.openxmlformats.org/drawingml/2006/main" xmlns:r="http://schemas.openxmlformats.org/officeDocument/2006/relationships" xmlns:p="http://schemas.openxmlformats.org/presentationml/2006/main">
   <p:cSld>
     <p:spTree>
@@ -21485,7 +24137,7 @@
 </p:sld>
 </file>
 
-<file path=ppt/slides/slide7.xml><?xml version="1.0" encoding="utf-8"?>
+<file path=ppt/slides/slide8.xml><?xml version="1.0" encoding="utf-8"?>
 <p:sld xmlns:a="http://schemas.openxmlformats.org/drawingml/2006/main" xmlns:r="http://schemas.openxmlformats.org/officeDocument/2006/relationships" xmlns:p="http://schemas.openxmlformats.org/presentationml/2006/main">
   <p:cSld>
     <p:spTree>
@@ -24922,7 +27574,7 @@
 </p:sld>
 </file>
 
-<file path=ppt/slides/slide8.xml><?xml version="1.0" encoding="utf-8"?>
+<file path=ppt/slides/slide9.xml><?xml version="1.0" encoding="utf-8"?>
 <p:sld xmlns:a="http://schemas.openxmlformats.org/drawingml/2006/main" xmlns:r="http://schemas.openxmlformats.org/officeDocument/2006/relationships" xmlns:p="http://schemas.openxmlformats.org/presentationml/2006/main">
   <p:cSld>
     <p:spTree>
@@ -26294,31 +28946,6 @@
           </a:ln>
         </p:spPr>
       </p:cxnSp>
-    </p:spTree>
-  </p:cSld>
-  <p:clrMapOvr>
-    <a:masterClrMapping/>
-  </p:clrMapOvr>
-</p:sld>
-</file>
-
-<file path=ppt/slides/slide9.xml><?xml version="1.0" encoding="utf-8"?>
-<p:sld xmlns:a="http://schemas.openxmlformats.org/drawingml/2006/main" xmlns:r="http://schemas.openxmlformats.org/officeDocument/2006/relationships" xmlns:p="http://schemas.openxmlformats.org/presentationml/2006/main">
-  <p:cSld>
-    <p:spTree>
-      <p:nvGrpSpPr>
-        <p:cNvPr id="1" name="Shape 389"/>
-        <p:cNvGrpSpPr/>
-        <p:nvPr/>
-      </p:nvGrpSpPr>
-      <p:grpSpPr>
-        <a:xfrm>
-          <a:off x="0" y="0"/>
-          <a:ext cx="0" cy="0"/>
-          <a:chOff x="0" y="0"/>
-          <a:chExt cx="0" cy="0"/>
-        </a:xfrm>
-      </p:grpSpPr>
     </p:spTree>
   </p:cSld>
   <p:clrMapOvr>

--- a/docs/diagrams/Diagrams.pptx
+++ b/docs/diagrams/Diagrams.pptx
@@ -12423,7 +12423,7 @@
         <p:spPr>
           <a:xfrm>
             <a:off x="1924216" y="671511"/>
-            <a:ext cx="5231958" cy="3630146"/>
+            <a:ext cx="5231958" cy="3300414"/>
           </a:xfrm>
           <a:prstGeom prst="roundRect">
             <a:avLst>
@@ -12468,17 +12468,20 @@
       <p:cxnSp>
         <p:nvCxnSpPr>
           <p:cNvPr id="66" name="Shape 318"/>
-          <p:cNvCxnSpPr/>
+          <p:cNvCxnSpPr>
+            <a:stCxn id="161" idx="3"/>
+            <a:endCxn id="69" idx="2"/>
+          </p:cNvCxnSpPr>
           <p:nvPr/>
         </p:nvCxnSpPr>
         <p:spPr>
           <a:xfrm rot="16200000" flipV="1">
-            <a:off x="2788722" y="1493849"/>
-            <a:ext cx="2258716" cy="2143321"/>
+            <a:off x="3120661" y="1308420"/>
+            <a:ext cx="1677938" cy="2099322"/>
           </a:xfrm>
           <a:prstGeom prst="bentConnector3">
             <a:avLst>
-              <a:gd name="adj1" fmla="val 28693"/>
+              <a:gd name="adj1" fmla="val 17643"/>
             </a:avLst>
           </a:prstGeom>
           <a:gradFill>
@@ -12514,7 +12517,7 @@
         </p:nvSpPr>
         <p:spPr>
           <a:xfrm rot="10800000">
-            <a:off x="3027414" y="3526347"/>
+            <a:off x="3005703" y="3176749"/>
             <a:ext cx="270503" cy="175522"/>
           </a:xfrm>
           <a:prstGeom prst="triangle">
@@ -12633,8 +12636,8 @@
         </p:nvSpPr>
         <p:spPr>
           <a:xfrm>
-            <a:off x="2565454" y="3696582"/>
-            <a:ext cx="1156968" cy="346760"/>
+            <a:off x="2557989" y="3368816"/>
+            <a:ext cx="1156968" cy="351595"/>
           </a:xfrm>
           <a:prstGeom prst="rect">
             <a:avLst/>
@@ -12877,14 +12880,14 @@
       </p:cxnSp>
       <p:sp>
         <p:nvSpPr>
-          <p:cNvPr id="79" name="Shape 346"/>
+          <p:cNvPr id="81" name="Shape 348"/>
           <p:cNvSpPr/>
           <p:nvPr/>
         </p:nvSpPr>
         <p:spPr>
           <a:xfrm>
-            <a:off x="5440786" y="2089627"/>
-            <a:ext cx="782773" cy="285783"/>
+            <a:off x="5439777" y="2166167"/>
+            <a:ext cx="778410" cy="285783"/>
           </a:xfrm>
           <a:prstGeom prst="rect">
             <a:avLst/>
@@ -12936,24 +12939,21 @@
                 <a:cs typeface="Calibri"/>
                 <a:sym typeface="Calibri"/>
               </a:rPr>
-              <a:t>Frequency</a:t>
+              <a:t>Schedule</a:t>
             </a:r>
           </a:p>
         </p:txBody>
       </p:sp>
       <p:cxnSp>
         <p:nvCxnSpPr>
-          <p:cNvPr id="80" name="Shape 347"/>
-          <p:cNvCxnSpPr>
-            <a:stCxn id="77" idx="3"/>
-            <a:endCxn id="79" idx="1"/>
-          </p:cNvCxnSpPr>
+          <p:cNvPr id="82" name="Shape 349"/>
+          <p:cNvCxnSpPr/>
           <p:nvPr/>
         </p:nvCxnSpPr>
         <p:spPr>
           <a:xfrm flipV="1">
-            <a:off x="4947972" y="2232519"/>
-            <a:ext cx="492814" cy="83288"/>
+            <a:off x="4947972" y="2309059"/>
+            <a:ext cx="491805" cy="6748"/>
           </a:xfrm>
           <a:prstGeom prst="bentConnector3">
             <a:avLst>
@@ -12987,124 +12987,14 @@
       </p:cxnSp>
       <p:sp>
         <p:nvSpPr>
-          <p:cNvPr id="81" name="Shape 348"/>
-          <p:cNvSpPr/>
-          <p:nvPr/>
-        </p:nvSpPr>
-        <p:spPr>
-          <a:xfrm>
-            <a:off x="5440787" y="2412604"/>
-            <a:ext cx="778410" cy="285783"/>
-          </a:xfrm>
-          <a:prstGeom prst="rect">
-            <a:avLst/>
-          </a:prstGeom>
-          <a:gradFill>
-            <a:gsLst>
-              <a:gs pos="0">
-                <a:srgbClr val="C8B2E9"/>
-              </a:gs>
-              <a:gs pos="35000">
-                <a:srgbClr val="D6CAED"/>
-              </a:gs>
-              <a:gs pos="100000">
-                <a:srgbClr val="EFE8FA"/>
-              </a:gs>
-            </a:gsLst>
-            <a:lin ang="16200000" scaled="0"/>
-          </a:gradFill>
-          <a:ln w="19050" cap="flat" cmpd="sng">
-            <a:solidFill>
-              <a:srgbClr val="7030A0"/>
-            </a:solidFill>
-            <a:prstDash val="solid"/>
-            <a:round/>
-            <a:headEnd type="none" w="med" len="med"/>
-            <a:tailEnd type="none" w="med" len="med"/>
-          </a:ln>
-        </p:spPr>
-        <p:txBody>
-          <a:bodyPr lIns="91425" tIns="45700" rIns="91425" bIns="45700" anchor="ctr" anchorCtr="0">
-            <a:noAutofit/>
-          </a:bodyPr>
-          <a:lstStyle/>
-          <a:p>
-            <a:pPr marL="0" marR="0" lvl="0" indent="0" algn="ctr" rtl="0">
-              <a:spcBef>
-                <a:spcPts val="0"/>
-              </a:spcBef>
-              <a:buSzPct val="25000"/>
-              <a:buNone/>
-            </a:pPr>
-            <a:r>
-              <a:rPr lang="en-US" sz="1050" dirty="0">
-                <a:solidFill>
-                  <a:srgbClr val="7030A0"/>
-                </a:solidFill>
-                <a:latin typeface="Calibri"/>
-                <a:ea typeface="Calibri"/>
-                <a:cs typeface="Calibri"/>
-                <a:sym typeface="Calibri"/>
-              </a:rPr>
-              <a:t>Schedule</a:t>
-            </a:r>
-          </a:p>
-        </p:txBody>
-      </p:sp>
-      <p:cxnSp>
-        <p:nvCxnSpPr>
-          <p:cNvPr id="82" name="Shape 349"/>
-          <p:cNvCxnSpPr>
-            <a:stCxn id="77" idx="3"/>
-            <a:endCxn id="81" idx="1"/>
-          </p:cNvCxnSpPr>
-          <p:nvPr/>
-        </p:nvCxnSpPr>
-        <p:spPr>
-          <a:xfrm>
-            <a:off x="4947972" y="2315807"/>
-            <a:ext cx="492815" cy="239689"/>
-          </a:xfrm>
-          <a:prstGeom prst="bentConnector3">
-            <a:avLst>
-              <a:gd name="adj1" fmla="val 50000"/>
-            </a:avLst>
-          </a:prstGeom>
-          <a:gradFill>
-            <a:gsLst>
-              <a:gs pos="0">
-                <a:srgbClr val="FFA09D"/>
-              </a:gs>
-              <a:gs pos="35000">
-                <a:srgbClr val="FFBCBC"/>
-              </a:gs>
-              <a:gs pos="100000">
-                <a:srgbClr val="FFE2E2"/>
-              </a:gs>
-            </a:gsLst>
-            <a:lin ang="16200000" scaled="0"/>
-          </a:gradFill>
-          <a:ln w="19050" cap="flat" cmpd="sng">
-            <a:solidFill>
-              <a:srgbClr val="7030A0"/>
-            </a:solidFill>
-            <a:prstDash val="solid"/>
-            <a:round/>
-            <a:headEnd type="none" w="med" len="med"/>
-            <a:tailEnd type="stealth" w="lg" len="lg"/>
-          </a:ln>
-        </p:spPr>
-      </p:cxnSp>
-      <p:sp>
-        <p:nvSpPr>
           <p:cNvPr id="83" name="Shape 342"/>
           <p:cNvSpPr/>
           <p:nvPr/>
         </p:nvSpPr>
         <p:spPr>
           <a:xfrm>
-            <a:off x="4172814" y="3705248"/>
-            <a:ext cx="1156968" cy="346760"/>
+            <a:off x="4046724" y="3368263"/>
+            <a:ext cx="1156968" cy="351090"/>
           </a:xfrm>
           <a:prstGeom prst="rect">
             <a:avLst/>
@@ -13777,7 +13667,7 @@
         </p:nvSpPr>
         <p:spPr>
           <a:xfrm rot="5400000">
-            <a:off x="3942841" y="3773571"/>
+            <a:off x="3810998" y="3437716"/>
             <a:ext cx="270503" cy="175522"/>
           </a:xfrm>
           <a:prstGeom prst="triangle">
@@ -13825,16 +13715,13 @@
       <p:cxnSp>
         <p:nvCxnSpPr>
           <p:cNvPr id="96" name="Shape 318"/>
-          <p:cNvCxnSpPr>
-            <a:stCxn id="75" idx="3"/>
-            <a:endCxn id="83" idx="1"/>
-          </p:cNvCxnSpPr>
+          <p:cNvCxnSpPr/>
           <p:nvPr/>
         </p:nvCxnSpPr>
         <p:spPr>
-          <a:xfrm>
-            <a:off x="3722422" y="3869962"/>
-            <a:ext cx="450392" cy="8666"/>
+          <a:xfrm flipV="1">
+            <a:off x="3705317" y="3535194"/>
+            <a:ext cx="331767" cy="806"/>
           </a:xfrm>
           <a:prstGeom prst="straightConnector1">
             <a:avLst/>
@@ -13872,7 +13759,7 @@
         </p:nvSpPr>
         <p:spPr>
           <a:xfrm>
-            <a:off x="5734068" y="3696582"/>
+            <a:off x="5512685" y="3362620"/>
             <a:ext cx="1156968" cy="346760"/>
           </a:xfrm>
           <a:prstGeom prst="rect">
@@ -13964,8 +13851,8 @@
         </p:nvCxnSpPr>
         <p:spPr>
           <a:xfrm flipV="1">
-            <a:off x="5329782" y="3869962"/>
-            <a:ext cx="404286" cy="8666"/>
+            <a:off x="5203692" y="3536000"/>
+            <a:ext cx="308993" cy="7808"/>
           </a:xfrm>
           <a:prstGeom prst="straightConnector1">
             <a:avLst/>
@@ -14003,7 +13890,7 @@
         </p:nvSpPr>
         <p:spPr>
           <a:xfrm rot="16200000" flipH="1">
-            <a:off x="5292438" y="3799640"/>
+            <a:off x="5156202" y="3456047"/>
             <a:ext cx="270503" cy="175522"/>
           </a:xfrm>
           <a:prstGeom prst="triangle">
@@ -14052,19 +13939,19 @@
         <p:nvCxnSpPr>
           <p:cNvPr id="100" name="Shape 318"/>
           <p:cNvCxnSpPr>
-            <a:stCxn id="75" idx="1"/>
+            <a:stCxn id="168" idx="3"/>
             <a:endCxn id="69" idx="1"/>
           </p:cNvCxnSpPr>
           <p:nvPr/>
         </p:nvCxnSpPr>
         <p:spPr>
-          <a:xfrm rot="10800000">
-            <a:off x="2555876" y="1345732"/>
-            <a:ext cx="9578" cy="2524230"/>
+          <a:xfrm rot="10800000" flipH="1">
+            <a:off x="2366710" y="1345732"/>
+            <a:ext cx="189165" cy="2228764"/>
           </a:xfrm>
           <a:prstGeom prst="bentConnector3">
             <a:avLst>
-              <a:gd name="adj1" fmla="val 2486720"/>
+              <a:gd name="adj1" fmla="val -145952"/>
             </a:avLst>
           </a:prstGeom>
           <a:gradFill>
@@ -14103,12 +13990,12 @@
         </p:nvCxnSpPr>
         <p:spPr>
           <a:xfrm rot="5400000" flipH="1" flipV="1">
-            <a:off x="3231945" y="2412909"/>
-            <a:ext cx="1044159" cy="1182719"/>
+            <a:off x="3395889" y="2227254"/>
+            <a:ext cx="694561" cy="1204430"/>
           </a:xfrm>
           <a:prstGeom prst="bentConnector3">
             <a:avLst>
-              <a:gd name="adj1" fmla="val 73046"/>
+              <a:gd name="adj1" fmla="val 74685"/>
             </a:avLst>
           </a:prstGeom>
           <a:gradFill>
@@ -14140,18 +14027,19 @@
         <p:nvCxnSpPr>
           <p:cNvPr id="102" name="Shape 318"/>
           <p:cNvCxnSpPr>
+            <a:stCxn id="103" idx="3"/>
             <a:endCxn id="84" idx="0"/>
           </p:cNvCxnSpPr>
           <p:nvPr/>
         </p:nvCxnSpPr>
         <p:spPr>
           <a:xfrm rot="16200000" flipV="1">
-            <a:off x="4430634" y="1261666"/>
-            <a:ext cx="2353994" cy="2175368"/>
+            <a:off x="4522030" y="1170271"/>
+            <a:ext cx="2004187" cy="2008352"/>
           </a:xfrm>
           <a:prstGeom prst="bentConnector3">
             <a:avLst>
-              <a:gd name="adj1" fmla="val 109711"/>
+              <a:gd name="adj1" fmla="val 114258"/>
             </a:avLst>
           </a:prstGeom>
           <a:gradFill>
@@ -14187,7 +14075,7 @@
         </p:nvSpPr>
         <p:spPr>
           <a:xfrm rot="10800000" flipH="1">
-            <a:off x="6583143" y="3500422"/>
+            <a:off x="6393047" y="3176540"/>
             <a:ext cx="270503" cy="175522"/>
           </a:xfrm>
           <a:prstGeom prst="triangle">
@@ -14240,7 +14128,7 @@
         </p:nvSpPr>
         <p:spPr>
           <a:xfrm>
-            <a:off x="5439759" y="2740142"/>
+            <a:off x="5437734" y="2564555"/>
             <a:ext cx="1026783" cy="275384"/>
           </a:xfrm>
           <a:prstGeom prst="rect">
@@ -14301,15 +14189,13 @@
       <p:cxnSp>
         <p:nvCxnSpPr>
           <p:cNvPr id="115" name="Shape 349"/>
-          <p:cNvCxnSpPr>
-            <a:endCxn id="114" idx="1"/>
-          </p:cNvCxnSpPr>
+          <p:cNvCxnSpPr/>
           <p:nvPr/>
         </p:nvCxnSpPr>
         <p:spPr>
           <a:xfrm rot="16200000" flipH="1">
-            <a:off x="5051568" y="2489643"/>
-            <a:ext cx="524834" cy="251547"/>
+            <a:off x="5124761" y="2377992"/>
+            <a:ext cx="375156" cy="250790"/>
           </a:xfrm>
           <a:prstGeom prst="bentConnector2">
             <a:avLst/>
@@ -14347,7 +14233,7 @@
         </p:nvSpPr>
         <p:spPr>
           <a:xfrm rot="10800000">
-            <a:off x="4864232" y="3522335"/>
+            <a:off x="4874040" y="3197050"/>
             <a:ext cx="270503" cy="175522"/>
           </a:xfrm>
           <a:prstGeom prst="triangle">
@@ -14400,7 +14286,7 @@
         </p:nvSpPr>
         <p:spPr>
           <a:xfrm rot="5400000">
-            <a:off x="2337780" y="3790866"/>
+            <a:off x="2319220" y="3486734"/>
             <a:ext cx="270503" cy="175522"/>
           </a:xfrm>
           <a:prstGeom prst="triangle">

--- a/docs/diagrams/Diagrams.pptx
+++ b/docs/diagrams/Diagrams.pptx
@@ -28726,8 +28726,8 @@
         </p:nvSpPr>
         <p:spPr>
           <a:xfrm>
-            <a:off x="443516" y="712655"/>
-            <a:ext cx="6159304" cy="3487205"/>
+            <a:off x="465815" y="1308294"/>
+            <a:ext cx="6159304" cy="2926081"/>
           </a:xfrm>
           <a:prstGeom prst="roundRect">
             <a:avLst>
@@ -28765,61 +28765,6 @@
                 <a:sym typeface="Calibri"/>
               </a:rPr>
               <a:t>Model</a:t>
-            </a:r>
-          </a:p>
-        </p:txBody>
-      </p:sp>
-      <p:sp>
-        <p:nvSpPr>
-          <p:cNvPr id="316" name="Shape 316"/>
-          <p:cNvSpPr/>
-          <p:nvPr/>
-        </p:nvSpPr>
-        <p:spPr>
-          <a:xfrm>
-            <a:off x="2200905" y="3082240"/>
-            <a:ext cx="1093634" cy="346760"/>
-          </a:xfrm>
-          <a:prstGeom prst="rect">
-            <a:avLst/>
-          </a:prstGeom>
-          <a:solidFill>
-            <a:srgbClr val="7030A0"/>
-          </a:solidFill>
-          <a:ln w="19050" cap="flat" cmpd="sng">
-            <a:solidFill>
-              <a:srgbClr val="7030A0"/>
-            </a:solidFill>
-            <a:prstDash val="solid"/>
-            <a:round/>
-            <a:headEnd type="none" w="med" len="med"/>
-            <a:tailEnd type="none" w="med" len="med"/>
-          </a:ln>
-        </p:spPr>
-        <p:txBody>
-          <a:bodyPr lIns="91425" tIns="45700" rIns="91425" bIns="45700" anchor="ctr" anchorCtr="0">
-            <a:noAutofit/>
-          </a:bodyPr>
-          <a:lstStyle/>
-          <a:p>
-            <a:pPr marL="0" marR="0" lvl="0" indent="0" algn="ctr" rtl="0">
-              <a:spcBef>
-                <a:spcPts val="0"/>
-              </a:spcBef>
-              <a:buSzPct val="25000"/>
-              <a:buNone/>
-            </a:pPr>
-            <a:r>
-              <a:rPr lang="en-US" sz="1050" dirty="0">
-                <a:solidFill>
-                  <a:schemeClr val="lt1"/>
-                </a:solidFill>
-                <a:latin typeface="Calibri"/>
-                <a:ea typeface="Calibri"/>
-                <a:cs typeface="Calibri"/>
-                <a:sym typeface="Calibri"/>
-              </a:rPr>
-              <a:t>UserPref</a:t>
             </a:r>
           </a:p>
         </p:txBody>
@@ -28890,12 +28835,12 @@
         </p:nvCxnSpPr>
         <p:spPr>
           <a:xfrm rot="5400000" flipH="1" flipV="1">
-            <a:off x="3299675" y="848703"/>
-            <a:ext cx="918810" cy="4409150"/>
+            <a:off x="3482555" y="1031584"/>
+            <a:ext cx="553049" cy="4409150"/>
           </a:xfrm>
           <a:prstGeom prst="bentConnector3">
             <a:avLst>
-              <a:gd name="adj1" fmla="val 53246"/>
+              <a:gd name="adj1" fmla="val 20511"/>
             </a:avLst>
           </a:prstGeom>
           <a:gradFill>
@@ -29060,7 +29005,7 @@
         </p:nvCxnSpPr>
         <p:spPr>
           <a:xfrm rot="10800000" flipH="1">
-            <a:off x="5964166" y="2032086"/>
+            <a:off x="5964166" y="2397847"/>
             <a:ext cx="1611" cy="225721"/>
           </a:xfrm>
           <a:prstGeom prst="straightConnector1">
@@ -29093,47 +29038,6 @@
       </p:cxnSp>
       <p:cxnSp>
         <p:nvCxnSpPr>
-          <p:cNvPr id="323" name="Shape 323"/>
-          <p:cNvCxnSpPr>
-            <a:endCxn id="316" idx="1"/>
-          </p:cNvCxnSpPr>
-          <p:nvPr/>
-        </p:nvCxnSpPr>
-        <p:spPr>
-          <a:xfrm>
-            <a:off x="1980105" y="3250220"/>
-            <a:ext cx="220800" cy="5400"/>
-          </a:xfrm>
-          <a:prstGeom prst="straightConnector1">
-            <a:avLst/>
-          </a:prstGeom>
-          <a:gradFill>
-            <a:gsLst>
-              <a:gs pos="0">
-                <a:srgbClr val="FFA09D"/>
-              </a:gs>
-              <a:gs pos="35000">
-                <a:srgbClr val="FFBCBC"/>
-              </a:gs>
-              <a:gs pos="100000">
-                <a:srgbClr val="FFE2E2"/>
-              </a:gs>
-            </a:gsLst>
-            <a:lin ang="16200000" scaled="0"/>
-          </a:gradFill>
-          <a:ln w="19050" cap="flat" cmpd="sng">
-            <a:solidFill>
-              <a:srgbClr val="7030A0"/>
-            </a:solidFill>
-            <a:prstDash val="solid"/>
-            <a:round/>
-            <a:headEnd type="none" w="med" len="med"/>
-            <a:tailEnd type="stealth" w="lg" len="lg"/>
-          </a:ln>
-        </p:spPr>
-      </p:cxnSp>
-      <p:cxnSp>
-        <p:nvCxnSpPr>
           <p:cNvPr id="325" name="Shape 325"/>
           <p:cNvCxnSpPr/>
           <p:nvPr/>
@@ -29176,14 +29080,12 @@
       <p:cxnSp>
         <p:nvCxnSpPr>
           <p:cNvPr id="326" name="Shape 326"/>
-          <p:cNvCxnSpPr>
-            <a:stCxn id="321" idx="3"/>
-          </p:cNvCxnSpPr>
+          <p:cNvCxnSpPr/>
           <p:nvPr/>
         </p:nvCxnSpPr>
         <p:spPr>
           <a:xfrm>
-            <a:off x="1173648" y="2963852"/>
+            <a:off x="1165125" y="2965352"/>
             <a:ext cx="216000" cy="0"/>
           </a:xfrm>
           <a:prstGeom prst="straightConnector1">
@@ -29216,62 +29118,13 @@
       </p:cxnSp>
       <p:sp>
         <p:nvSpPr>
-          <p:cNvPr id="327" name="Shape 327"/>
-          <p:cNvSpPr/>
-          <p:nvPr/>
-        </p:nvSpPr>
-        <p:spPr>
-          <a:xfrm>
-            <a:off x="1744047" y="3163646"/>
-            <a:ext cx="236047" cy="173380"/>
-          </a:xfrm>
-          <a:prstGeom prst="flowChartDecision">
-            <a:avLst/>
-          </a:prstGeom>
-          <a:noFill/>
-          <a:ln w="19050" cap="flat" cmpd="sng">
-            <a:solidFill>
-              <a:srgbClr val="7030A0"/>
-            </a:solidFill>
-            <a:prstDash val="solid"/>
-            <a:round/>
-            <a:headEnd type="none" w="med" len="med"/>
-            <a:tailEnd type="none" w="med" len="med"/>
-          </a:ln>
-        </p:spPr>
-        <p:txBody>
-          <a:bodyPr lIns="91425" tIns="45700" rIns="91425" bIns="45700" anchor="ctr" anchorCtr="0">
-            <a:noAutofit/>
-          </a:bodyPr>
-          <a:lstStyle/>
-          <a:p>
-            <a:pPr marL="0" marR="0" lvl="0" indent="0" algn="ctr" rtl="0">
-              <a:spcBef>
-                <a:spcPts val="0"/>
-              </a:spcBef>
-              <a:buNone/>
-            </a:pPr>
-            <a:endParaRPr sz="1050" dirty="0">
-              <a:solidFill>
-                <a:schemeClr val="dk1"/>
-              </a:solidFill>
-              <a:latin typeface="Calibri"/>
-              <a:ea typeface="Calibri"/>
-              <a:cs typeface="Calibri"/>
-              <a:sym typeface="Calibri"/>
-            </a:endParaRPr>
-          </a:p>
-        </p:txBody>
-      </p:sp>
-      <p:sp>
-        <p:nvSpPr>
           <p:cNvPr id="328" name="Shape 328"/>
           <p:cNvSpPr/>
           <p:nvPr/>
         </p:nvSpPr>
         <p:spPr>
           <a:xfrm>
-            <a:off x="2204607" y="2027160"/>
+            <a:off x="2204607" y="2392921"/>
             <a:ext cx="1093634" cy="346760"/>
           </a:xfrm>
           <a:prstGeom prst="rect">
@@ -29339,7 +29192,7 @@
         </p:nvCxnSpPr>
         <p:spPr>
           <a:xfrm>
-            <a:off x="1983807" y="2195140"/>
+            <a:off x="1983807" y="2560901"/>
             <a:ext cx="220800" cy="5400"/>
           </a:xfrm>
           <a:prstGeom prst="straightConnector1">
@@ -29378,7 +29231,7 @@
         </p:nvSpPr>
         <p:spPr>
           <a:xfrm>
-            <a:off x="1747749" y="2108566"/>
+            <a:off x="1747749" y="2474327"/>
             <a:ext cx="236047" cy="173380"/>
           </a:xfrm>
           <a:prstGeom prst="flowChartDecision">
@@ -29427,7 +29280,7 @@
         </p:nvSpPr>
         <p:spPr>
           <a:xfrm>
-            <a:off x="3790028" y="2247113"/>
+            <a:off x="3790028" y="2612874"/>
             <a:ext cx="1282547" cy="346760"/>
           </a:xfrm>
           <a:prstGeom prst="rect">
@@ -29493,7 +29346,7 @@
         </p:nvSpPr>
         <p:spPr>
           <a:xfrm>
-            <a:off x="3309420" y="2073732"/>
+            <a:off x="3309420" y="2439493"/>
             <a:ext cx="236047" cy="173380"/>
           </a:xfrm>
           <a:prstGeom prst="flowChartDecision">
@@ -29544,7 +29397,7 @@
         </p:nvCxnSpPr>
         <p:spPr>
           <a:xfrm>
-            <a:off x="3516746" y="2160423"/>
+            <a:off x="3516746" y="2526184"/>
             <a:ext cx="266666" cy="260070"/>
           </a:xfrm>
           <a:prstGeom prst="bentConnector3">
@@ -29585,7 +29438,7 @@
         </p:nvSpPr>
         <p:spPr>
           <a:xfrm>
-            <a:off x="3799598" y="1680309"/>
+            <a:off x="3799598" y="2046070"/>
             <a:ext cx="1239035" cy="346851"/>
           </a:xfrm>
           <a:prstGeom prst="rect">
@@ -29651,7 +29504,7 @@
         </p:nvCxnSpPr>
         <p:spPr>
           <a:xfrm flipV="1">
-            <a:off x="3526271" y="1853735"/>
+            <a:off x="3526271" y="2219496"/>
             <a:ext cx="282852" cy="306688"/>
           </a:xfrm>
           <a:prstGeom prst="bentConnector3">
@@ -29692,7 +29545,7 @@
         </p:nvSpPr>
         <p:spPr>
           <a:xfrm>
-            <a:off x="5609562" y="2247113"/>
+            <a:off x="5609562" y="2612874"/>
             <a:ext cx="708186" cy="346760"/>
           </a:xfrm>
           <a:prstGeom prst="rect">
@@ -29758,7 +29611,7 @@
         </p:nvSpPr>
         <p:spPr>
           <a:xfrm>
-            <a:off x="5081100" y="2333583"/>
+            <a:off x="5081100" y="2699344"/>
             <a:ext cx="286417" cy="177602"/>
           </a:xfrm>
           <a:prstGeom prst="flowChartDecision">
@@ -29807,7 +29660,7 @@
         </p:nvCxnSpPr>
         <p:spPr>
           <a:xfrm flipV="1">
-            <a:off x="5352376" y="2431188"/>
+            <a:off x="5352376" y="2796949"/>
             <a:ext cx="257696" cy="1333"/>
           </a:xfrm>
           <a:prstGeom prst="bentConnector3">
@@ -29848,7 +29701,7 @@
         </p:nvSpPr>
         <p:spPr>
           <a:xfrm>
-            <a:off x="5611685" y="1685325"/>
+            <a:off x="5611685" y="2051086"/>
             <a:ext cx="708186" cy="346760"/>
           </a:xfrm>
           <a:prstGeom prst="rect">
@@ -29914,7 +29767,7 @@
         </p:nvSpPr>
         <p:spPr>
           <a:xfrm>
-            <a:off x="5038632" y="1745178"/>
+            <a:off x="5038632" y="2110939"/>
             <a:ext cx="313744" cy="228308"/>
           </a:xfrm>
           <a:prstGeom prst="flowChartDecision">
@@ -29966,7 +29819,7 @@
         </p:nvCxnSpPr>
         <p:spPr>
           <a:xfrm flipV="1">
-            <a:off x="5352376" y="1858705"/>
+            <a:off x="5352376" y="2224466"/>
             <a:ext cx="259309" cy="627"/>
           </a:xfrm>
           <a:prstGeom prst="bentConnector3">
@@ -30007,7 +29860,7 @@
         </p:nvCxnSpPr>
         <p:spPr>
           <a:xfrm rot="-5400000" flipH="1">
-            <a:off x="2604799" y="1884809"/>
+            <a:off x="2604799" y="2250570"/>
             <a:ext cx="293700" cy="599"/>
           </a:xfrm>
           <a:prstGeom prst="bentConnector3">
@@ -30048,7 +29901,7 @@
         </p:nvSpPr>
         <p:spPr>
           <a:xfrm flipH="1">
-            <a:off x="2616098" y="1562738"/>
+            <a:off x="2616098" y="1928499"/>
             <a:ext cx="270503" cy="175522"/>
           </a:xfrm>
           <a:prstGeom prst="triangle">
@@ -30112,7 +29965,7 @@
         </p:nvSpPr>
         <p:spPr>
           <a:xfrm>
-            <a:off x="1985419" y="1206210"/>
+            <a:off x="1985419" y="1571971"/>
             <a:ext cx="1539925" cy="346760"/>
           </a:xfrm>
           <a:prstGeom prst="rect">
@@ -30201,7 +30054,7 @@
         </p:nvSpPr>
         <p:spPr>
           <a:xfrm>
-            <a:off x="3990792" y="2755225"/>
+            <a:off x="4419115" y="3162210"/>
             <a:ext cx="881018" cy="261609"/>
           </a:xfrm>
           <a:prstGeom prst="rect">

--- a/docs/diagrams/Diagrams.pptx
+++ b/docs/diagrams/Diagrams.pptx
@@ -12422,8 +12422,8 @@
         </p:nvSpPr>
         <p:spPr>
           <a:xfrm>
-            <a:off x="1924216" y="671511"/>
-            <a:ext cx="5231958" cy="3300414"/>
+            <a:off x="1740436" y="731161"/>
+            <a:ext cx="5514809" cy="3544450"/>
           </a:xfrm>
           <a:prstGeom prst="roundRect">
             <a:avLst>
@@ -12476,12 +12476,12 @@
         </p:nvCxnSpPr>
         <p:spPr>
           <a:xfrm rot="16200000" flipV="1">
-            <a:off x="3120661" y="1308420"/>
-            <a:ext cx="1677938" cy="2099322"/>
+            <a:off x="3017215" y="1411866"/>
+            <a:ext cx="2021074" cy="2235566"/>
           </a:xfrm>
           <a:prstGeom prst="bentConnector3">
             <a:avLst>
-              <a:gd name="adj1" fmla="val 17643"/>
+              <a:gd name="adj1" fmla="val 10412"/>
             </a:avLst>
           </a:prstGeom>
           <a:gradFill>
@@ -12517,7 +12517,7 @@
         </p:nvSpPr>
         <p:spPr>
           <a:xfrm rot="10800000">
-            <a:off x="3005703" y="3176749"/>
+            <a:off x="3141947" y="3519885"/>
             <a:ext cx="270503" cy="175522"/>
           </a:xfrm>
           <a:prstGeom prst="triangle">
@@ -12636,7 +12636,7 @@
         </p:nvSpPr>
         <p:spPr>
           <a:xfrm>
-            <a:off x="2557989" y="3368816"/>
+            <a:off x="2694233" y="3711952"/>
             <a:ext cx="1156968" cy="351595"/>
           </a:xfrm>
           <a:prstGeom prst="rect">
@@ -12993,7 +12993,7 @@
         </p:nvSpPr>
         <p:spPr>
           <a:xfrm>
-            <a:off x="4046724" y="3368263"/>
+            <a:off x="4182968" y="3711399"/>
             <a:ext cx="1156968" cy="351090"/>
           </a:xfrm>
           <a:prstGeom prst="rect">
@@ -13667,7 +13667,7 @@
         </p:nvSpPr>
         <p:spPr>
           <a:xfrm rot="5400000">
-            <a:off x="3810998" y="3437716"/>
+            <a:off x="3947242" y="3780852"/>
             <a:ext cx="270503" cy="175522"/>
           </a:xfrm>
           <a:prstGeom prst="triangle">
@@ -13720,7 +13720,7 @@
         </p:nvCxnSpPr>
         <p:spPr>
           <a:xfrm flipV="1">
-            <a:off x="3705317" y="3535194"/>
+            <a:off x="3841561" y="3878330"/>
             <a:ext cx="331767" cy="806"/>
           </a:xfrm>
           <a:prstGeom prst="straightConnector1">
@@ -13759,7 +13759,7 @@
         </p:nvSpPr>
         <p:spPr>
           <a:xfrm>
-            <a:off x="5512685" y="3362620"/>
+            <a:off x="5648929" y="3705756"/>
             <a:ext cx="1156968" cy="346760"/>
           </a:xfrm>
           <a:prstGeom prst="rect">
@@ -13851,7 +13851,7 @@
         </p:nvCxnSpPr>
         <p:spPr>
           <a:xfrm flipV="1">
-            <a:off x="5203692" y="3536000"/>
+            <a:off x="5339936" y="3879136"/>
             <a:ext cx="308993" cy="7808"/>
           </a:xfrm>
           <a:prstGeom prst="straightConnector1">
@@ -13890,7 +13890,7 @@
         </p:nvSpPr>
         <p:spPr>
           <a:xfrm rot="16200000" flipH="1">
-            <a:off x="5156202" y="3456047"/>
+            <a:off x="5292446" y="3799183"/>
             <a:ext cx="270503" cy="175522"/>
           </a:xfrm>
           <a:prstGeom prst="triangle">
@@ -13946,12 +13946,12 @@
         </p:nvCxnSpPr>
         <p:spPr>
           <a:xfrm rot="10800000" flipH="1">
-            <a:off x="2366710" y="1345732"/>
-            <a:ext cx="189165" cy="2228764"/>
+            <a:off x="2502954" y="1345732"/>
+            <a:ext cx="52921" cy="2571900"/>
           </a:xfrm>
           <a:prstGeom prst="bentConnector3">
             <a:avLst>
-              <a:gd name="adj1" fmla="val -145952"/>
+              <a:gd name="adj1" fmla="val -521704"/>
             </a:avLst>
           </a:prstGeom>
           <a:gradFill>
@@ -13990,12 +13990,12 @@
         </p:nvCxnSpPr>
         <p:spPr>
           <a:xfrm rot="5400000" flipH="1" flipV="1">
-            <a:off x="3395889" y="2227254"/>
-            <a:ext cx="694561" cy="1204430"/>
+            <a:off x="3292443" y="2466944"/>
+            <a:ext cx="1037697" cy="1068186"/>
           </a:xfrm>
           <a:prstGeom prst="bentConnector3">
             <a:avLst>
-              <a:gd name="adj1" fmla="val 74685"/>
+              <a:gd name="adj1" fmla="val 50000"/>
             </a:avLst>
           </a:prstGeom>
           <a:gradFill>
@@ -14034,12 +14034,12 @@
         </p:nvCxnSpPr>
         <p:spPr>
           <a:xfrm rot="16200000" flipV="1">
-            <a:off x="4522030" y="1170271"/>
-            <a:ext cx="2004187" cy="2008352"/>
+            <a:off x="4418584" y="1273717"/>
+            <a:ext cx="2347323" cy="2144596"/>
           </a:xfrm>
           <a:prstGeom prst="bentConnector3">
             <a:avLst>
-              <a:gd name="adj1" fmla="val 114258"/>
+              <a:gd name="adj1" fmla="val 109739"/>
             </a:avLst>
           </a:prstGeom>
           <a:gradFill>
@@ -14075,7 +14075,7 @@
         </p:nvSpPr>
         <p:spPr>
           <a:xfrm rot="10800000" flipH="1">
-            <a:off x="6393047" y="3176540"/>
+            <a:off x="6529291" y="3519676"/>
             <a:ext cx="270503" cy="175522"/>
           </a:xfrm>
           <a:prstGeom prst="triangle">
@@ -14233,7 +14233,7 @@
         </p:nvSpPr>
         <p:spPr>
           <a:xfrm rot="10800000">
-            <a:off x="4874040" y="3197050"/>
+            <a:off x="5010284" y="3540186"/>
             <a:ext cx="270503" cy="175522"/>
           </a:xfrm>
           <a:prstGeom prst="triangle">
@@ -14286,7 +14286,7 @@
         </p:nvSpPr>
         <p:spPr>
           <a:xfrm rot="5400000">
-            <a:off x="2319220" y="3486734"/>
+            <a:off x="2455464" y="3829870"/>
             <a:ext cx="270503" cy="175522"/>
           </a:xfrm>
           <a:prstGeom prst="triangle">
@@ -14382,6 +14382,162 @@
           </a:p>
         </p:txBody>
       </p:sp>
+      <p:sp>
+        <p:nvSpPr>
+          <p:cNvPr id="38" name="Shape 348"/>
+          <p:cNvSpPr/>
+          <p:nvPr/>
+        </p:nvSpPr>
+        <p:spPr>
+          <a:xfrm>
+            <a:off x="5476365" y="3212650"/>
+            <a:ext cx="778410" cy="285783"/>
+          </a:xfrm>
+          <a:prstGeom prst="rect">
+            <a:avLst/>
+          </a:prstGeom>
+          <a:gradFill>
+            <a:gsLst>
+              <a:gs pos="0">
+                <a:srgbClr val="C8B2E9"/>
+              </a:gs>
+              <a:gs pos="35000">
+                <a:srgbClr val="D6CAED"/>
+              </a:gs>
+              <a:gs pos="100000">
+                <a:srgbClr val="EFE8FA"/>
+              </a:gs>
+            </a:gsLst>
+            <a:lin ang="16200000" scaled="0"/>
+          </a:gradFill>
+          <a:ln w="19050" cap="flat" cmpd="sng">
+            <a:solidFill>
+              <a:srgbClr val="7030A0"/>
+            </a:solidFill>
+            <a:prstDash val="solid"/>
+            <a:round/>
+            <a:headEnd type="none" w="med" len="med"/>
+            <a:tailEnd type="none" w="med" len="med"/>
+          </a:ln>
+        </p:spPr>
+        <p:txBody>
+          <a:bodyPr lIns="91425" tIns="45700" rIns="91425" bIns="45700" anchor="ctr" anchorCtr="0">
+            <a:noAutofit/>
+          </a:bodyPr>
+          <a:lstStyle/>
+          <a:p>
+            <a:pPr marL="0" marR="0" lvl="0" indent="0" algn="ctr" rtl="0">
+              <a:spcBef>
+                <a:spcPts val="0"/>
+              </a:spcBef>
+              <a:buSzPct val="25000"/>
+              <a:buNone/>
+            </a:pPr>
+            <a:r>
+              <a:rPr lang="en-US" sz="1050" dirty="0">
+                <a:solidFill>
+                  <a:srgbClr val="7030A0"/>
+                </a:solidFill>
+                <a:latin typeface="Calibri"/>
+                <a:ea typeface="Calibri"/>
+                <a:cs typeface="Calibri"/>
+                <a:sym typeface="Calibri"/>
+              </a:rPr>
+              <a:t>Tag</a:t>
+            </a:r>
+          </a:p>
+        </p:txBody>
+      </p:sp>
+      <p:sp>
+        <p:nvSpPr>
+          <p:cNvPr id="44" name="Shape 337"/>
+          <p:cNvSpPr/>
+          <p:nvPr/>
+        </p:nvSpPr>
+        <p:spPr>
+          <a:xfrm rot="16200000">
+            <a:off x="5768340" y="2843312"/>
+            <a:ext cx="198289" cy="191542"/>
+          </a:xfrm>
+          <a:prstGeom prst="flowChartDecision">
+            <a:avLst/>
+          </a:prstGeom>
+          <a:noFill/>
+          <a:ln w="19050" cap="flat" cmpd="sng">
+            <a:solidFill>
+              <a:srgbClr val="7030A0"/>
+            </a:solidFill>
+            <a:prstDash val="solid"/>
+            <a:round/>
+            <a:headEnd type="none" w="med" len="med"/>
+            <a:tailEnd type="none" w="med" len="med"/>
+          </a:ln>
+        </p:spPr>
+        <p:txBody>
+          <a:bodyPr lIns="91425" tIns="45700" rIns="91425" bIns="45700" anchor="ctr" anchorCtr="0">
+            <a:noAutofit/>
+          </a:bodyPr>
+          <a:lstStyle/>
+          <a:p>
+            <a:pPr marL="0" marR="0" lvl="0" indent="0" algn="ctr" rtl="0">
+              <a:spcBef>
+                <a:spcPts val="0"/>
+              </a:spcBef>
+              <a:buNone/>
+            </a:pPr>
+            <a:endParaRPr sz="1050" dirty="0">
+              <a:solidFill>
+                <a:schemeClr val="dk1"/>
+              </a:solidFill>
+              <a:latin typeface="Calibri"/>
+              <a:ea typeface="Calibri"/>
+              <a:cs typeface="Calibri"/>
+              <a:sym typeface="Calibri"/>
+            </a:endParaRPr>
+          </a:p>
+        </p:txBody>
+      </p:sp>
+      <p:cxnSp>
+        <p:nvCxnSpPr>
+          <p:cNvPr id="45" name="Shape 338"/>
+          <p:cNvCxnSpPr/>
+          <p:nvPr/>
+        </p:nvCxnSpPr>
+        <p:spPr>
+          <a:xfrm rot="16200000" flipH="1">
+            <a:off x="5785952" y="3130076"/>
+            <a:ext cx="161152" cy="1915"/>
+          </a:xfrm>
+          <a:prstGeom prst="bentConnector3">
+            <a:avLst>
+              <a:gd name="adj1" fmla="val 50000"/>
+            </a:avLst>
+          </a:prstGeom>
+          <a:gradFill>
+            <a:gsLst>
+              <a:gs pos="0">
+                <a:srgbClr val="FFA09D"/>
+              </a:gs>
+              <a:gs pos="35000">
+                <a:srgbClr val="FFBCBC"/>
+              </a:gs>
+              <a:gs pos="100000">
+                <a:srgbClr val="FFE2E2"/>
+              </a:gs>
+            </a:gsLst>
+            <a:lin ang="16200000" scaled="0"/>
+          </a:gradFill>
+          <a:ln w="19050" cap="flat" cmpd="sng">
+            <a:solidFill>
+              <a:srgbClr val="7030A0"/>
+            </a:solidFill>
+            <a:prstDash val="solid"/>
+            <a:round/>
+            <a:headEnd type="none" w="med" len="med"/>
+            <a:tailEnd type="stealth" w="lg" len="lg"/>
+          </a:ln>
+        </p:spPr>
+      </p:cxnSp>
     </p:spTree>
     <p:extLst>
       <p:ext uri="{BB962C8B-B14F-4D97-AF65-F5344CB8AC3E}">
@@ -15789,47 +15945,6 @@
           </a:p>
         </p:txBody>
       </p:sp>
-      <p:cxnSp>
-        <p:nvCxnSpPr>
-          <p:cNvPr id="37" name="Shape 385"/>
-          <p:cNvCxnSpPr>
-            <a:endCxn id="383" idx="1"/>
-          </p:cNvCxnSpPr>
-          <p:nvPr/>
-        </p:nvCxnSpPr>
-        <p:spPr>
-          <a:xfrm rot="5400000" flipH="1" flipV="1">
-            <a:off x="6494760" y="2997879"/>
-            <a:ext cx="518991" cy="246179"/>
-          </a:xfrm>
-          <a:prstGeom prst="bentConnector2">
-            <a:avLst/>
-          </a:prstGeom>
-          <a:gradFill>
-            <a:gsLst>
-              <a:gs pos="0">
-                <a:srgbClr val="FFBB82"/>
-              </a:gs>
-              <a:gs pos="35000">
-                <a:srgbClr val="FFCFA8"/>
-              </a:gs>
-              <a:gs pos="100000">
-                <a:srgbClr val="FFEBD9"/>
-              </a:gs>
-            </a:gsLst>
-            <a:lin ang="16200000" scaled="0"/>
-          </a:gradFill>
-          <a:ln w="19050" cap="flat" cmpd="sng">
-            <a:solidFill>
-              <a:srgbClr val="F5913F"/>
-            </a:solidFill>
-            <a:prstDash val="dot"/>
-            <a:round/>
-            <a:headEnd type="none" w="med" len="med"/>
-            <a:tailEnd type="stealth" w="lg" len="lg"/>
-          </a:ln>
-        </p:spPr>
-      </p:cxnSp>
       <p:cxnSp>
         <p:nvCxnSpPr>
           <p:cNvPr id="43" name="Shape 385"/>
@@ -28726,7 +28841,7 @@
         </p:nvSpPr>
         <p:spPr>
           <a:xfrm>
-            <a:off x="465815" y="1308294"/>
+            <a:off x="465815" y="1197457"/>
             <a:ext cx="6159304" cy="2926081"/>
           </a:xfrm>
           <a:prstGeom prst="roundRect">
@@ -28835,12 +28950,12 @@
         </p:nvCxnSpPr>
         <p:spPr>
           <a:xfrm rot="5400000" flipH="1" flipV="1">
-            <a:off x="3482555" y="1031584"/>
-            <a:ext cx="553049" cy="4409150"/>
+            <a:off x="3373801" y="927891"/>
+            <a:ext cx="765495" cy="4404089"/>
           </a:xfrm>
           <a:prstGeom prst="bentConnector3">
             <a:avLst>
-              <a:gd name="adj1" fmla="val 20511"/>
+              <a:gd name="adj1" fmla="val 56444"/>
             </a:avLst>
           </a:prstGeom>
           <a:gradFill>
@@ -28997,45 +29112,6 @@
           </a:p>
         </p:txBody>
       </p:sp>
-      <p:cxnSp>
-        <p:nvCxnSpPr>
-          <p:cNvPr id="322" name="Shape 322"/>
-          <p:cNvCxnSpPr/>
-          <p:nvPr/>
-        </p:nvCxnSpPr>
-        <p:spPr>
-          <a:xfrm rot="10800000" flipH="1">
-            <a:off x="5964166" y="2397847"/>
-            <a:ext cx="1611" cy="225721"/>
-          </a:xfrm>
-          <a:prstGeom prst="straightConnector1">
-            <a:avLst/>
-          </a:prstGeom>
-          <a:gradFill>
-            <a:gsLst>
-              <a:gs pos="0">
-                <a:srgbClr val="FFA09D"/>
-              </a:gs>
-              <a:gs pos="35000">
-                <a:srgbClr val="FFBCBC"/>
-              </a:gs>
-              <a:gs pos="100000">
-                <a:srgbClr val="FFE2E2"/>
-              </a:gs>
-            </a:gsLst>
-            <a:lin ang="16200000" scaled="0"/>
-          </a:gradFill>
-          <a:ln w="19050" cap="flat" cmpd="sng">
-            <a:solidFill>
-              <a:srgbClr val="7030A0"/>
-            </a:solidFill>
-            <a:prstDash val="dot"/>
-            <a:round/>
-            <a:headEnd type="none" w="med" len="med"/>
-            <a:tailEnd type="stealth" w="lg" len="lg"/>
-          </a:ln>
-        </p:spPr>
-      </p:cxnSp>
       <p:cxnSp>
         <p:nvCxnSpPr>
           <p:cNvPr id="325" name="Shape 325"/>
@@ -29280,7 +29356,7 @@
         </p:nvSpPr>
         <p:spPr>
           <a:xfrm>
-            <a:off x="3790028" y="2612874"/>
+            <a:off x="3777841" y="2392921"/>
             <a:ext cx="1282547" cy="346760"/>
           </a:xfrm>
           <a:prstGeom prst="rect">
@@ -29346,7 +29422,7 @@
         </p:nvSpPr>
         <p:spPr>
           <a:xfrm>
-            <a:off x="3309420" y="2439493"/>
+            <a:off x="3309420" y="2487118"/>
             <a:ext cx="236047" cy="173380"/>
           </a:xfrm>
           <a:prstGeom prst="flowChartDecision">
@@ -29392,18 +29468,19 @@
       <p:cxnSp>
         <p:nvCxnSpPr>
           <p:cNvPr id="333" name="Shape 333"/>
-          <p:cNvCxnSpPr/>
+          <p:cNvCxnSpPr>
+            <a:stCxn id="332" idx="3"/>
+            <a:endCxn id="331" idx="1"/>
+          </p:cNvCxnSpPr>
           <p:nvPr/>
         </p:nvCxnSpPr>
         <p:spPr>
-          <a:xfrm>
-            <a:off x="3516746" y="2526184"/>
-            <a:ext cx="266666" cy="260070"/>
-          </a:xfrm>
-          <a:prstGeom prst="bentConnector3">
-            <a:avLst>
-              <a:gd name="adj1" fmla="val 50000"/>
-            </a:avLst>
+          <a:xfrm flipV="1">
+            <a:off x="3545467" y="2566301"/>
+            <a:ext cx="232374" cy="7507"/>
+          </a:xfrm>
+          <a:prstGeom prst="straightConnector1">
+            <a:avLst/>
           </a:prstGeom>
           <a:gradFill>
             <a:gsLst>
@@ -29432,14 +29509,14 @@
       </p:cxnSp>
       <p:sp>
         <p:nvSpPr>
-          <p:cNvPr id="334" name="Shape 334"/>
+          <p:cNvPr id="336" name="Shape 336"/>
           <p:cNvSpPr/>
           <p:nvPr/>
         </p:nvSpPr>
         <p:spPr>
           <a:xfrm>
-            <a:off x="3799598" y="2046070"/>
-            <a:ext cx="1239035" cy="346851"/>
+            <a:off x="5604501" y="2400428"/>
+            <a:ext cx="708186" cy="346760"/>
           </a:xfrm>
           <a:prstGeom prst="rect">
             <a:avLst/>
@@ -29491,113 +29568,6 @@
                 <a:cs typeface="Calibri"/>
                 <a:sym typeface="Calibri"/>
               </a:rPr>
-              <a:t>UniqueTagList</a:t>
-            </a:r>
-          </a:p>
-        </p:txBody>
-      </p:sp>
-      <p:cxnSp>
-        <p:nvCxnSpPr>
-          <p:cNvPr id="335" name="Shape 335"/>
-          <p:cNvCxnSpPr/>
-          <p:nvPr/>
-        </p:nvCxnSpPr>
-        <p:spPr>
-          <a:xfrm flipV="1">
-            <a:off x="3526271" y="2219496"/>
-            <a:ext cx="282852" cy="306688"/>
-          </a:xfrm>
-          <a:prstGeom prst="bentConnector3">
-            <a:avLst>
-              <a:gd name="adj1" fmla="val 43265"/>
-            </a:avLst>
-          </a:prstGeom>
-          <a:gradFill>
-            <a:gsLst>
-              <a:gs pos="0">
-                <a:srgbClr val="FFA09D"/>
-              </a:gs>
-              <a:gs pos="35000">
-                <a:srgbClr val="FFBCBC"/>
-              </a:gs>
-              <a:gs pos="100000">
-                <a:srgbClr val="FFE2E2"/>
-              </a:gs>
-            </a:gsLst>
-            <a:lin ang="16200000" scaled="0"/>
-          </a:gradFill>
-          <a:ln w="19050" cap="flat" cmpd="sng">
-            <a:solidFill>
-              <a:srgbClr val="7030A0"/>
-            </a:solidFill>
-            <a:prstDash val="solid"/>
-            <a:round/>
-            <a:headEnd type="none" w="med" len="med"/>
-            <a:tailEnd type="stealth" w="lg" len="lg"/>
-          </a:ln>
-        </p:spPr>
-      </p:cxnSp>
-      <p:sp>
-        <p:nvSpPr>
-          <p:cNvPr id="336" name="Shape 336"/>
-          <p:cNvSpPr/>
-          <p:nvPr/>
-        </p:nvSpPr>
-        <p:spPr>
-          <a:xfrm>
-            <a:off x="5609562" y="2612874"/>
-            <a:ext cx="708186" cy="346760"/>
-          </a:xfrm>
-          <a:prstGeom prst="rect">
-            <a:avLst/>
-          </a:prstGeom>
-          <a:gradFill>
-            <a:gsLst>
-              <a:gs pos="0">
-                <a:srgbClr val="C8B2E9"/>
-              </a:gs>
-              <a:gs pos="35000">
-                <a:srgbClr val="D6CAED"/>
-              </a:gs>
-              <a:gs pos="100000">
-                <a:srgbClr val="EFE8FA"/>
-              </a:gs>
-            </a:gsLst>
-            <a:lin ang="16200000" scaled="0"/>
-          </a:gradFill>
-          <a:ln w="19050" cap="flat" cmpd="sng">
-            <a:solidFill>
-              <a:srgbClr val="7030A0"/>
-            </a:solidFill>
-            <a:prstDash val="solid"/>
-            <a:round/>
-            <a:headEnd type="none" w="med" len="med"/>
-            <a:tailEnd type="none" w="med" len="med"/>
-          </a:ln>
-        </p:spPr>
-        <p:txBody>
-          <a:bodyPr lIns="91425" tIns="45700" rIns="91425" bIns="45700" anchor="ctr" anchorCtr="0">
-            <a:noAutofit/>
-          </a:bodyPr>
-          <a:lstStyle/>
-          <a:p>
-            <a:pPr marL="0" marR="0" lvl="0" indent="0" algn="ctr" rtl="0">
-              <a:spcBef>
-                <a:spcPts val="0"/>
-              </a:spcBef>
-              <a:buSzPct val="25000"/>
-              <a:buNone/>
-            </a:pPr>
-            <a:r>
-              <a:rPr lang="en-US" sz="1050" dirty="0">
-                <a:solidFill>
-                  <a:srgbClr val="7030A0"/>
-                </a:solidFill>
-                <a:latin typeface="Calibri"/>
-                <a:ea typeface="Calibri"/>
-                <a:cs typeface="Calibri"/>
-                <a:sym typeface="Calibri"/>
-              </a:rPr>
               <a:t>Activity</a:t>
             </a:r>
           </a:p>
@@ -29611,7 +29581,7 @@
         </p:nvSpPr>
         <p:spPr>
           <a:xfrm>
-            <a:off x="5081100" y="2699344"/>
+            <a:off x="5060388" y="2470105"/>
             <a:ext cx="286417" cy="177602"/>
           </a:xfrm>
           <a:prstGeom prst="flowChartDecision">
@@ -29660,167 +29630,8 @@
         </p:nvCxnSpPr>
         <p:spPr>
           <a:xfrm flipV="1">
-            <a:off x="5352376" y="2796949"/>
+            <a:off x="5346805" y="2558906"/>
             <a:ext cx="257696" cy="1333"/>
-          </a:xfrm>
-          <a:prstGeom prst="bentConnector3">
-            <a:avLst>
-              <a:gd name="adj1" fmla="val 50000"/>
-            </a:avLst>
-          </a:prstGeom>
-          <a:gradFill>
-            <a:gsLst>
-              <a:gs pos="0">
-                <a:srgbClr val="FFA09D"/>
-              </a:gs>
-              <a:gs pos="35000">
-                <a:srgbClr val="FFBCBC"/>
-              </a:gs>
-              <a:gs pos="100000">
-                <a:srgbClr val="FFE2E2"/>
-              </a:gs>
-            </a:gsLst>
-            <a:lin ang="16200000" scaled="0"/>
-          </a:gradFill>
-          <a:ln w="19050" cap="flat" cmpd="sng">
-            <a:solidFill>
-              <a:srgbClr val="7030A0"/>
-            </a:solidFill>
-            <a:prstDash val="solid"/>
-            <a:round/>
-            <a:headEnd type="none" w="med" len="med"/>
-            <a:tailEnd type="stealth" w="lg" len="lg"/>
-          </a:ln>
-        </p:spPr>
-      </p:cxnSp>
-      <p:sp>
-        <p:nvSpPr>
-          <p:cNvPr id="339" name="Shape 339"/>
-          <p:cNvSpPr/>
-          <p:nvPr/>
-        </p:nvSpPr>
-        <p:spPr>
-          <a:xfrm>
-            <a:off x="5611685" y="2051086"/>
-            <a:ext cx="708186" cy="346760"/>
-          </a:xfrm>
-          <a:prstGeom prst="rect">
-            <a:avLst/>
-          </a:prstGeom>
-          <a:gradFill>
-            <a:gsLst>
-              <a:gs pos="0">
-                <a:srgbClr val="C8B2E9"/>
-              </a:gs>
-              <a:gs pos="35000">
-                <a:srgbClr val="D6CAED"/>
-              </a:gs>
-              <a:gs pos="100000">
-                <a:srgbClr val="EFE8FA"/>
-              </a:gs>
-            </a:gsLst>
-            <a:lin ang="16200000" scaled="0"/>
-          </a:gradFill>
-          <a:ln w="19050" cap="flat" cmpd="sng">
-            <a:solidFill>
-              <a:srgbClr val="7030A0"/>
-            </a:solidFill>
-            <a:prstDash val="solid"/>
-            <a:round/>
-            <a:headEnd type="none" w="med" len="med"/>
-            <a:tailEnd type="none" w="med" len="med"/>
-          </a:ln>
-        </p:spPr>
-        <p:txBody>
-          <a:bodyPr lIns="91425" tIns="45700" rIns="91425" bIns="45700" anchor="ctr" anchorCtr="0">
-            <a:noAutofit/>
-          </a:bodyPr>
-          <a:lstStyle/>
-          <a:p>
-            <a:pPr marL="0" marR="0" lvl="0" indent="0" algn="ctr" rtl="0">
-              <a:spcBef>
-                <a:spcPts val="0"/>
-              </a:spcBef>
-              <a:buSzPct val="25000"/>
-              <a:buNone/>
-            </a:pPr>
-            <a:r>
-              <a:rPr lang="en-US" sz="1050" dirty="0">
-                <a:solidFill>
-                  <a:srgbClr val="7030A0"/>
-                </a:solidFill>
-                <a:latin typeface="Calibri"/>
-                <a:ea typeface="Calibri"/>
-                <a:cs typeface="Calibri"/>
-                <a:sym typeface="Calibri"/>
-              </a:rPr>
-              <a:t>Tag</a:t>
-            </a:r>
-          </a:p>
-        </p:txBody>
-      </p:sp>
-      <p:sp>
-        <p:nvSpPr>
-          <p:cNvPr id="340" name="Shape 340"/>
-          <p:cNvSpPr/>
-          <p:nvPr/>
-        </p:nvSpPr>
-        <p:spPr>
-          <a:xfrm>
-            <a:off x="5038632" y="2110939"/>
-            <a:ext cx="313744" cy="228308"/>
-          </a:xfrm>
-          <a:prstGeom prst="flowChartDecision">
-            <a:avLst/>
-          </a:prstGeom>
-          <a:noFill/>
-          <a:ln w="19050" cap="flat" cmpd="sng">
-            <a:solidFill>
-              <a:srgbClr val="7030A0"/>
-            </a:solidFill>
-            <a:prstDash val="solid"/>
-            <a:round/>
-            <a:headEnd type="none" w="med" len="med"/>
-            <a:tailEnd type="none" w="med" len="med"/>
-          </a:ln>
-        </p:spPr>
-        <p:txBody>
-          <a:bodyPr lIns="91425" tIns="45700" rIns="91425" bIns="45700" anchor="ctr" anchorCtr="0">
-            <a:noAutofit/>
-          </a:bodyPr>
-          <a:lstStyle/>
-          <a:p>
-            <a:pPr marL="0" marR="0" lvl="0" indent="0" algn="ctr" rtl="0">
-              <a:spcBef>
-                <a:spcPts val="0"/>
-              </a:spcBef>
-              <a:buNone/>
-            </a:pPr>
-            <a:endParaRPr sz="1050" dirty="0">
-              <a:solidFill>
-                <a:schemeClr val="dk1"/>
-              </a:solidFill>
-              <a:latin typeface="Calibri"/>
-              <a:ea typeface="Calibri"/>
-              <a:cs typeface="Calibri"/>
-              <a:sym typeface="Calibri"/>
-            </a:endParaRPr>
-          </a:p>
-        </p:txBody>
-      </p:sp>
-      <p:cxnSp>
-        <p:nvCxnSpPr>
-          <p:cNvPr id="341" name="Shape 341"/>
-          <p:cNvCxnSpPr>
-            <a:stCxn id="340" idx="3"/>
-            <a:endCxn id="339" idx="1"/>
-          </p:cNvCxnSpPr>
-          <p:nvPr/>
-        </p:nvCxnSpPr>
-        <p:spPr>
-          <a:xfrm flipV="1">
-            <a:off x="5352376" y="2224466"/>
-            <a:ext cx="259309" cy="627"/>
           </a:xfrm>
           <a:prstGeom prst="bentConnector3">
             <a:avLst>
@@ -30054,7 +29865,7 @@
         </p:nvSpPr>
         <p:spPr>
           <a:xfrm>
-            <a:off x="4419115" y="3162210"/>
+            <a:off x="4707046" y="2790509"/>
             <a:ext cx="881018" cy="261609"/>
           </a:xfrm>
           <a:prstGeom prst="rect">

--- a/docs/diagrams/Diagrams.pptx
+++ b/docs/diagrams/Diagrams.pptx
@@ -17952,7 +17952,7 @@
                 <a:cs typeface="Calibri"/>
                 <a:sym typeface="Calibri"/>
               </a:rPr>
-              <a:t>delete 1</a:t>
+              <a:t>delete d1</a:t>
             </a:r>
           </a:p>
         </p:txBody>
@@ -17991,8 +17991,8 @@
         </p:nvSpPr>
         <p:spPr>
           <a:xfrm>
-            <a:off x="2166172" y="1453379"/>
-            <a:ext cx="1424846" cy="215443"/>
+            <a:off x="1973208" y="1453379"/>
+            <a:ext cx="1617810" cy="271594"/>
           </a:xfrm>
           <a:prstGeom prst="rect">
             <a:avLst/>
@@ -18025,7 +18025,31 @@
                 <a:cs typeface="Calibri"/>
                 <a:sym typeface="Calibri"/>
               </a:rPr>
-              <a:t>execute(“delete 1”)</a:t>
+              <a:t>execute(“delete </a:t>
+            </a:r>
+            <a:r>
+              <a:rPr lang="en-US" dirty="0">
+                <a:solidFill>
+                  <a:srgbClr val="0070C0"/>
+                </a:solidFill>
+                <a:latin typeface="Calibri"/>
+                <a:ea typeface="Calibri"/>
+                <a:cs typeface="Calibri"/>
+                <a:sym typeface="Calibri"/>
+              </a:rPr>
+              <a:t>d</a:t>
+            </a:r>
+            <a:r>
+              <a:rPr lang="en-US" sz="1400" dirty="0">
+                <a:solidFill>
+                  <a:srgbClr val="0070C0"/>
+                </a:solidFill>
+                <a:latin typeface="Calibri"/>
+                <a:ea typeface="Calibri"/>
+                <a:cs typeface="Calibri"/>
+                <a:sym typeface="Calibri"/>
+              </a:rPr>
+              <a:t>1”)</a:t>
             </a:r>
           </a:p>
         </p:txBody>
